--- a/map_gps_survey.pptx
+++ b/map_gps_survey.pptx
@@ -5,12 +5,13 @@
     <p:sldMasterId id="2147483648" r:id="rId1"/>
   </p:sldMasterIdLst>
   <p:notesMasterIdLst>
-    <p:notesMasterId r:id="rId5"/>
+    <p:notesMasterId r:id="rId6"/>
   </p:notesMasterIdLst>
   <p:sldIdLst>
-    <p:sldId id="263" r:id="rId2"/>
-    <p:sldId id="265" r:id="rId3"/>
-    <p:sldId id="264" r:id="rId4"/>
+    <p:sldId id="266" r:id="rId2"/>
+    <p:sldId id="264" r:id="rId3"/>
+    <p:sldId id="263" r:id="rId4"/>
+    <p:sldId id="265" r:id="rId5"/>
   </p:sldIdLst>
   <p:sldSz cx="12192000" cy="6858000"/>
   <p:notesSz cx="6858000" cy="9144000"/>
@@ -199,7 +200,7 @@
           <a:p>
             <a:fld id="{D2843BDE-B8C0-934E-9704-CBA3B88C1FB8}" type="datetimeFigureOut">
               <a:rPr lang="en-US" smtClean="0"/>
-              <a:t>6/12/24</a:t>
+              <a:t>11/9/25</a:t>
             </a:fld>
             <a:endParaRPr lang="en-US"/>
           </a:p>
@@ -471,13 +472,7 @@
   <p:cSld>
     <p:spTree>
       <p:nvGrpSpPr>
-        <p:cNvPr id="1" name="">
-          <a:extLst>
-            <a:ext uri="{FF2B5EF4-FFF2-40B4-BE49-F238E27FC236}">
-              <a16:creationId xmlns:a16="http://schemas.microsoft.com/office/drawing/2014/main" id="{ADCE2001-545C-99D0-05A3-34EAAB5CA049}"/>
-            </a:ext>
-          </a:extLst>
-        </p:cNvPr>
+        <p:cNvPr id="1" name=""/>
         <p:cNvGrpSpPr/>
         <p:nvPr/>
       </p:nvGrpSpPr>
@@ -491,13 +486,7 @@
       </p:grpSpPr>
       <p:sp>
         <p:nvSpPr>
-          <p:cNvPr id="2" name="Slide Image Placeholder 1">
-            <a:extLst>
-              <a:ext uri="{FF2B5EF4-FFF2-40B4-BE49-F238E27FC236}">
-                <a16:creationId xmlns:a16="http://schemas.microsoft.com/office/drawing/2014/main" id="{1499392E-8F18-4AD6-D26D-2EAA93E40800}"/>
-              </a:ext>
-            </a:extLst>
-          </p:cNvPr>
+          <p:cNvPr id="2" name="Slide Image Placeholder 1"/>
           <p:cNvSpPr>
             <a:spLocks noGrp="1" noRot="1" noChangeAspect="1"/>
           </p:cNvSpPr>
@@ -509,13 +498,7 @@
       </p:sp>
       <p:sp>
         <p:nvSpPr>
-          <p:cNvPr id="3" name="Notes Placeholder 2">
-            <a:extLst>
-              <a:ext uri="{FF2B5EF4-FFF2-40B4-BE49-F238E27FC236}">
-                <a16:creationId xmlns:a16="http://schemas.microsoft.com/office/drawing/2014/main" id="{0B572907-66C1-84CC-5E24-AFA53AA9427E}"/>
-              </a:ext>
-            </a:extLst>
-          </p:cNvPr>
+          <p:cNvPr id="3" name="Notes Placeholder 2"/>
           <p:cNvSpPr>
             <a:spLocks noGrp="1"/>
           </p:cNvSpPr>
@@ -534,13 +517,7 @@
       </p:sp>
       <p:sp>
         <p:nvSpPr>
-          <p:cNvPr id="4" name="Slide Number Placeholder 3">
-            <a:extLst>
-              <a:ext uri="{FF2B5EF4-FFF2-40B4-BE49-F238E27FC236}">
-                <a16:creationId xmlns:a16="http://schemas.microsoft.com/office/drawing/2014/main" id="{2F5FB7D5-126E-2993-4CA4-5B643C76FA09}"/>
-              </a:ext>
-            </a:extLst>
-          </p:cNvPr>
+          <p:cNvPr id="4" name="Slide Number Placeholder 3"/>
           <p:cNvSpPr>
             <a:spLocks noGrp="1"/>
           </p:cNvSpPr>
@@ -564,7 +541,7 @@
     </p:spTree>
     <p:extLst>
       <p:ext uri="{BB962C8B-B14F-4D97-AF65-F5344CB8AC3E}">
-        <p14:creationId xmlns:p14="http://schemas.microsoft.com/office/powerpoint/2010/main" val="2175948219"/>
+        <p14:creationId xmlns:p14="http://schemas.microsoft.com/office/powerpoint/2010/main" val="1052199520"/>
       </p:ext>
     </p:extLst>
   </p:cSld>
@@ -663,7 +640,7 @@
           <a:p>
             <a:fld id="{BA8B91EE-EA77-074C-ABDE-BAE6359B4E98}" type="slidenum">
               <a:rPr lang="en-US" smtClean="0"/>
-              <a:t>3</a:t>
+              <a:t>2</a:t>
             </a:fld>
             <a:endParaRPr lang="en-US"/>
           </a:p>
@@ -673,6 +650,114 @@
     <p:extLst>
       <p:ext uri="{BB962C8B-B14F-4D97-AF65-F5344CB8AC3E}">
         <p14:creationId xmlns:p14="http://schemas.microsoft.com/office/powerpoint/2010/main" val="200454395"/>
+      </p:ext>
+    </p:extLst>
+  </p:cSld>
+  <p:clrMapOvr>
+    <a:masterClrMapping/>
+  </p:clrMapOvr>
+</p:notes>
+</file>
+
+<file path=ppt/notesSlides/notesSlide3.xml><?xml version="1.0" encoding="utf-8"?>
+<p:notes xmlns:a="http://schemas.openxmlformats.org/drawingml/2006/main" xmlns:r="http://schemas.openxmlformats.org/officeDocument/2006/relationships" xmlns:p="http://schemas.openxmlformats.org/presentationml/2006/main">
+  <p:cSld>
+    <p:spTree>
+      <p:nvGrpSpPr>
+        <p:cNvPr id="1" name="">
+          <a:extLst>
+            <a:ext uri="{FF2B5EF4-FFF2-40B4-BE49-F238E27FC236}">
+              <a16:creationId xmlns:a16="http://schemas.microsoft.com/office/drawing/2014/main" id="{ADCE2001-545C-99D0-05A3-34EAAB5CA049}"/>
+            </a:ext>
+          </a:extLst>
+        </p:cNvPr>
+        <p:cNvGrpSpPr/>
+        <p:nvPr/>
+      </p:nvGrpSpPr>
+      <p:grpSpPr>
+        <a:xfrm>
+          <a:off x="0" y="0"/>
+          <a:ext cx="0" cy="0"/>
+          <a:chOff x="0" y="0"/>
+          <a:chExt cx="0" cy="0"/>
+        </a:xfrm>
+      </p:grpSpPr>
+      <p:sp>
+        <p:nvSpPr>
+          <p:cNvPr id="2" name="Slide Image Placeholder 1">
+            <a:extLst>
+              <a:ext uri="{FF2B5EF4-FFF2-40B4-BE49-F238E27FC236}">
+                <a16:creationId xmlns:a16="http://schemas.microsoft.com/office/drawing/2014/main" id="{1499392E-8F18-4AD6-D26D-2EAA93E40800}"/>
+              </a:ext>
+            </a:extLst>
+          </p:cNvPr>
+          <p:cNvSpPr>
+            <a:spLocks noGrp="1" noRot="1" noChangeAspect="1"/>
+          </p:cNvSpPr>
+          <p:nvPr>
+            <p:ph type="sldImg"/>
+          </p:nvPr>
+        </p:nvSpPr>
+        <p:spPr/>
+      </p:sp>
+      <p:sp>
+        <p:nvSpPr>
+          <p:cNvPr id="3" name="Notes Placeholder 2">
+            <a:extLst>
+              <a:ext uri="{FF2B5EF4-FFF2-40B4-BE49-F238E27FC236}">
+                <a16:creationId xmlns:a16="http://schemas.microsoft.com/office/drawing/2014/main" id="{0B572907-66C1-84CC-5E24-AFA53AA9427E}"/>
+              </a:ext>
+            </a:extLst>
+          </p:cNvPr>
+          <p:cNvSpPr>
+            <a:spLocks noGrp="1"/>
+          </p:cNvSpPr>
+          <p:nvPr>
+            <p:ph type="body" idx="1"/>
+          </p:nvPr>
+        </p:nvSpPr>
+        <p:spPr/>
+        <p:txBody>
+          <a:bodyPr/>
+          <a:lstStyle/>
+          <a:p>
+            <a:endParaRPr lang="en-US" dirty="0"/>
+          </a:p>
+        </p:txBody>
+      </p:sp>
+      <p:sp>
+        <p:nvSpPr>
+          <p:cNvPr id="4" name="Slide Number Placeholder 3">
+            <a:extLst>
+              <a:ext uri="{FF2B5EF4-FFF2-40B4-BE49-F238E27FC236}">
+                <a16:creationId xmlns:a16="http://schemas.microsoft.com/office/drawing/2014/main" id="{2F5FB7D5-126E-2993-4CA4-5B643C76FA09}"/>
+              </a:ext>
+            </a:extLst>
+          </p:cNvPr>
+          <p:cNvSpPr>
+            <a:spLocks noGrp="1"/>
+          </p:cNvSpPr>
+          <p:nvPr>
+            <p:ph type="sldNum" sz="quarter" idx="5"/>
+          </p:nvPr>
+        </p:nvSpPr>
+        <p:spPr/>
+        <p:txBody>
+          <a:bodyPr/>
+          <a:lstStyle/>
+          <a:p>
+            <a:fld id="{BA8B91EE-EA77-074C-ABDE-BAE6359B4E98}" type="slidenum">
+              <a:rPr lang="en-US" smtClean="0"/>
+              <a:t>3</a:t>
+            </a:fld>
+            <a:endParaRPr lang="en-US"/>
+          </a:p>
+        </p:txBody>
+      </p:sp>
+    </p:spTree>
+    <p:extLst>
+      <p:ext uri="{BB962C8B-B14F-4D97-AF65-F5344CB8AC3E}">
+        <p14:creationId xmlns:p14="http://schemas.microsoft.com/office/powerpoint/2010/main" val="2175948219"/>
       </p:ext>
     </p:extLst>
   </p:cSld>
@@ -828,7 +913,7 @@
           <a:lstStyle/>
           <a:p>
             <a:fld id="{5F491023-0B0A-7041-9F06-D25A50EF063B}" type="datetimeFigureOut">
-              <a:t>6/12/24</a:t>
+              <a:t>11/9/25</a:t>
             </a:fld>
             <a:endParaRPr lang="en-US"/>
           </a:p>
@@ -1024,7 +1109,7 @@
           <a:lstStyle/>
           <a:p>
             <a:fld id="{5F491023-0B0A-7041-9F06-D25A50EF063B}" type="datetimeFigureOut">
-              <a:t>6/12/24</a:t>
+              <a:t>11/9/25</a:t>
             </a:fld>
             <a:endParaRPr lang="en-US"/>
           </a:p>
@@ -1230,7 +1315,7 @@
           <a:lstStyle/>
           <a:p>
             <a:fld id="{5F491023-0B0A-7041-9F06-D25A50EF063B}" type="datetimeFigureOut">
-              <a:t>6/12/24</a:t>
+              <a:t>11/9/25</a:t>
             </a:fld>
             <a:endParaRPr lang="en-US"/>
           </a:p>
@@ -1426,7 +1511,7 @@
           <a:lstStyle/>
           <a:p>
             <a:fld id="{5F491023-0B0A-7041-9F06-D25A50EF063B}" type="datetimeFigureOut">
-              <a:t>6/12/24</a:t>
+              <a:t>11/9/25</a:t>
             </a:fld>
             <a:endParaRPr lang="en-US"/>
           </a:p>
@@ -1699,7 +1784,7 @@
           <a:lstStyle/>
           <a:p>
             <a:fld id="{5F491023-0B0A-7041-9F06-D25A50EF063B}" type="datetimeFigureOut">
-              <a:t>6/12/24</a:t>
+              <a:t>11/9/25</a:t>
             </a:fld>
             <a:endParaRPr lang="en-US"/>
           </a:p>
@@ -1962,7 +2047,7 @@
           <a:lstStyle/>
           <a:p>
             <a:fld id="{5F491023-0B0A-7041-9F06-D25A50EF063B}" type="datetimeFigureOut">
-              <a:t>6/12/24</a:t>
+              <a:t>11/9/25</a:t>
             </a:fld>
             <a:endParaRPr lang="en-US"/>
           </a:p>
@@ -2372,7 +2457,7 @@
           <a:lstStyle/>
           <a:p>
             <a:fld id="{5F491023-0B0A-7041-9F06-D25A50EF063B}" type="datetimeFigureOut">
-              <a:t>6/12/24</a:t>
+              <a:t>11/9/25</a:t>
             </a:fld>
             <a:endParaRPr lang="en-US"/>
           </a:p>
@@ -2511,7 +2596,7 @@
           <a:lstStyle/>
           <a:p>
             <a:fld id="{5F491023-0B0A-7041-9F06-D25A50EF063B}" type="datetimeFigureOut">
-              <a:t>6/12/24</a:t>
+              <a:t>11/9/25</a:t>
             </a:fld>
             <a:endParaRPr lang="en-US"/>
           </a:p>
@@ -2622,7 +2707,7 @@
           <a:lstStyle/>
           <a:p>
             <a:fld id="{5F491023-0B0A-7041-9F06-D25A50EF063B}" type="datetimeFigureOut">
-              <a:t>6/12/24</a:t>
+              <a:t>11/9/25</a:t>
             </a:fld>
             <a:endParaRPr lang="en-US"/>
           </a:p>
@@ -2931,7 +3016,7 @@
           <a:lstStyle/>
           <a:p>
             <a:fld id="{5F491023-0B0A-7041-9F06-D25A50EF063B}" type="datetimeFigureOut">
-              <a:t>6/12/24</a:t>
+              <a:t>11/9/25</a:t>
             </a:fld>
             <a:endParaRPr lang="en-US"/>
           </a:p>
@@ -3217,7 +3302,7 @@
           <a:lstStyle/>
           <a:p>
             <a:fld id="{5F491023-0B0A-7041-9F06-D25A50EF063B}" type="datetimeFigureOut">
-              <a:t>6/12/24</a:t>
+              <a:t>11/9/25</a:t>
             </a:fld>
             <a:endParaRPr lang="en-US"/>
           </a:p>
@@ -3456,7 +3541,7 @@
           </a:lstStyle>
           <a:p>
             <a:fld id="{5F491023-0B0A-7041-9F06-D25A50EF063B}" type="datetimeFigureOut">
-              <a:t>6/12/24</a:t>
+              <a:t>11/9/25</a:t>
             </a:fld>
             <a:endParaRPr lang="en-US"/>
           </a:p>
@@ -3860,6 +3945,433 @@
   <p:cSld>
     <p:spTree>
       <p:nvGrpSpPr>
+        <p:cNvPr id="1" name=""/>
+        <p:cNvGrpSpPr/>
+        <p:nvPr/>
+      </p:nvGrpSpPr>
+      <p:grpSpPr>
+        <a:xfrm>
+          <a:off x="0" y="0"/>
+          <a:ext cx="0" cy="0"/>
+          <a:chOff x="0" y="0"/>
+          <a:chExt cx="0" cy="0"/>
+        </a:xfrm>
+      </p:grpSpPr>
+      <p:sp>
+        <p:nvSpPr>
+          <p:cNvPr id="4" name="TextBox 3">
+            <a:extLst>
+              <a:ext uri="{FF2B5EF4-FFF2-40B4-BE49-F238E27FC236}">
+                <a16:creationId xmlns:a16="http://schemas.microsoft.com/office/drawing/2014/main" id="{7BEE8153-DD0A-58E0-C7D8-9CA2E424E664}"/>
+              </a:ext>
+            </a:extLst>
+          </p:cNvPr>
+          <p:cNvSpPr txBox="1"/>
+          <p:nvPr/>
+        </p:nvSpPr>
+        <p:spPr>
+          <a:xfrm>
+            <a:off x="227990" y="281831"/>
+            <a:ext cx="2571749" cy="369332"/>
+          </a:xfrm>
+          <a:prstGeom prst="rect">
+            <a:avLst/>
+          </a:prstGeom>
+          <a:noFill/>
+        </p:spPr>
+        <p:txBody>
+          <a:bodyPr wrap="square">
+            <a:spAutoFit/>
+          </a:bodyPr>
+          <a:lstStyle/>
+          <a:p>
+            <a:r>
+              <a:rPr lang="en-US" b="1" dirty="0" err="1">
+                <a:solidFill>
+                  <a:srgbClr val="FF0000"/>
+                </a:solidFill>
+              </a:rPr>
+              <a:t>Compas</a:t>
+            </a:r>
+            <a:endParaRPr lang="en-US" b="1" dirty="0">
+              <a:solidFill>
+                <a:srgbClr val="FF0000"/>
+              </a:solidFill>
+            </a:endParaRPr>
+          </a:p>
+        </p:txBody>
+      </p:sp>
+      <p:sp>
+        <p:nvSpPr>
+          <p:cNvPr id="2" name="TextBox 1">
+            <a:extLst>
+              <a:ext uri="{FF2B5EF4-FFF2-40B4-BE49-F238E27FC236}">
+                <a16:creationId xmlns:a16="http://schemas.microsoft.com/office/drawing/2014/main" id="{82E0AC87-AB4F-5F51-F0A1-E14A5EF6F7DE}"/>
+              </a:ext>
+            </a:extLst>
+          </p:cNvPr>
+          <p:cNvSpPr txBox="1"/>
+          <p:nvPr/>
+        </p:nvSpPr>
+        <p:spPr>
+          <a:xfrm>
+            <a:off x="227989" y="651163"/>
+            <a:ext cx="6496083" cy="3108543"/>
+          </a:xfrm>
+          <a:prstGeom prst="rect">
+            <a:avLst/>
+          </a:prstGeom>
+          <a:noFill/>
+        </p:spPr>
+        <p:txBody>
+          <a:bodyPr wrap="square">
+            <a:spAutoFit/>
+          </a:bodyPr>
+          <a:lstStyle/>
+          <a:p>
+            <a:r>
+              <a:rPr lang="en-US" sz="1100" b="1" dirty="0" err="1">
+                <a:solidFill>
+                  <a:srgbClr val="FF0000"/>
+                </a:solidFill>
+              </a:rPr>
+              <a:t>Suunto</a:t>
+            </a:r>
+            <a:r>
+              <a:rPr lang="en-US" sz="1100" b="1" dirty="0">
+                <a:solidFill>
+                  <a:srgbClr val="FF0000"/>
+                </a:solidFill>
+              </a:rPr>
+              <a:t> KB-14/360R G  </a:t>
+            </a:r>
+            <a:r>
+              <a:rPr lang="en-US" sz="1100" dirty="0"/>
+              <a:t>- hand-bearing precision compass.</a:t>
+            </a:r>
+          </a:p>
+          <a:p>
+            <a:r>
+              <a:rPr lang="en-US" sz="1100" b="1" dirty="0">
+                <a:solidFill>
+                  <a:srgbClr val="0070C0"/>
+                </a:solidFill>
+              </a:rPr>
+              <a:t>"G" </a:t>
+            </a:r>
+            <a:r>
+              <a:rPr lang="en-US" sz="1100" dirty="0"/>
+              <a:t>means "</a:t>
+            </a:r>
+            <a:r>
+              <a:rPr lang="en-US" sz="1100" b="1" dirty="0">
+                <a:solidFill>
+                  <a:srgbClr val="0070C0"/>
+                </a:solidFill>
+              </a:rPr>
+              <a:t>globally balanced model</a:t>
+            </a:r>
+            <a:r>
+              <a:rPr lang="en-US" sz="1100" dirty="0"/>
+              <a:t>", doesn't need zone-specific balancing.</a:t>
+            </a:r>
+          </a:p>
+          <a:p>
+            <a:r>
+              <a:rPr lang="en-US" sz="1100" dirty="0"/>
+              <a:t>It needs declination adjustment (between magnetic north and true north). </a:t>
+            </a:r>
+          </a:p>
+          <a:p>
+            <a:r>
+              <a:rPr lang="en-US" sz="1100" dirty="0"/>
+              <a:t>For upstate New York, the magnetic declination is approximately 13° West (or about -13°).</a:t>
+            </a:r>
+          </a:p>
+          <a:p>
+            <a:r>
+              <a:rPr lang="en-US" sz="1100" dirty="0"/>
+              <a:t>This means that magnetic north is 13 degrees west of true north.</a:t>
+            </a:r>
+          </a:p>
+          <a:p>
+            <a:r>
+              <a:rPr lang="en-US" sz="1100" dirty="0"/>
+              <a:t>The KB-14/360R G model doesn't do this adjustment by itself.</a:t>
+            </a:r>
+          </a:p>
+          <a:p>
+            <a:endParaRPr lang="en-US" sz="1100" dirty="0"/>
+          </a:p>
+          <a:p>
+            <a:r>
+              <a:rPr lang="en-US" sz="1100" dirty="0"/>
+              <a:t>The compass features an azimuth 0-360° scale with reversed 360° readings, graduated in 0.5° increments with 1/3° accuracy. </a:t>
+            </a:r>
+          </a:p>
+          <a:p>
+            <a:r>
+              <a:rPr lang="en-US" sz="1100" dirty="0"/>
+              <a:t>It has optical reading capability through an adjustable diopter eyepiece for precise bearing measurements. It includes both foresight and backsight bearings for easier navigation</a:t>
+            </a:r>
+          </a:p>
+          <a:p>
+            <a:endParaRPr lang="en-US" sz="1100" dirty="0"/>
+          </a:p>
+          <a:p>
+            <a:r>
+              <a:rPr lang="en-US" sz="800" dirty="0">
+                <a:hlinkClick r:id="rId3"/>
+              </a:rPr>
+              <a:t>https://</a:t>
+            </a:r>
+            <a:r>
+              <a:rPr lang="en-US" sz="800" dirty="0" err="1">
+                <a:hlinkClick r:id="rId3"/>
+              </a:rPr>
+              <a:t>www.capitalsurveyingsupplies.com</a:t>
+            </a:r>
+            <a:r>
+              <a:rPr lang="en-US" sz="800" dirty="0">
+                <a:hlinkClick r:id="rId3"/>
+              </a:rPr>
+              <a:t>/suunto-kb-14-360rg-precision-global-compasses/</a:t>
+            </a:r>
+            <a:endParaRPr lang="en-US" sz="800" dirty="0"/>
+          </a:p>
+          <a:p>
+            <a:r>
+              <a:rPr lang="en-US" sz="800" dirty="0">
+                <a:hlinkClick r:id="rId4"/>
+              </a:rPr>
+              <a:t>https://</a:t>
+            </a:r>
+            <a:r>
+              <a:rPr lang="en-US" sz="800" dirty="0" err="1">
+                <a:hlinkClick r:id="rId4"/>
+              </a:rPr>
+              <a:t>secure.fltgeosystems.com</a:t>
+            </a:r>
+            <a:r>
+              <a:rPr lang="en-US" sz="800" dirty="0">
+                <a:hlinkClick r:id="rId4"/>
+              </a:rPr>
+              <a:t>/field-supplies/compass-and-clinometers/suunto-kb-14-360r-g-hand-bearing-compass-0-360-sunkb-14-360r-g/</a:t>
+            </a:r>
+            <a:endParaRPr lang="en-US" sz="800" dirty="0"/>
+          </a:p>
+          <a:p>
+            <a:r>
+              <a:rPr lang="en-US" sz="800" dirty="0">
+                <a:hlinkClick r:id="rId5"/>
+              </a:rPr>
+              <a:t>https://farmandlandaccessories.com/suunto-kb-14-360rg-precision-global-compass-azimuth/</a:t>
+            </a:r>
+            <a:endParaRPr lang="en-US" sz="800" dirty="0"/>
+          </a:p>
+          <a:p>
+            <a:r>
+              <a:rPr lang="en-US" sz="800" dirty="0">
+                <a:hlinkClick r:id="rId6"/>
+              </a:rPr>
+              <a:t>https://</a:t>
+            </a:r>
+            <a:r>
+              <a:rPr lang="en-US" sz="800" dirty="0" err="1">
+                <a:hlinkClick r:id="rId6"/>
+              </a:rPr>
+              <a:t>www.capitalsurveyingsupplies.com</a:t>
+            </a:r>
+            <a:r>
+              <a:rPr lang="en-US" sz="800" dirty="0">
+                <a:hlinkClick r:id="rId6"/>
+              </a:rPr>
+              <a:t>/suunto-tandem-global-compass-clinometer-1380/</a:t>
+            </a:r>
+            <a:endParaRPr lang="en-US" sz="800" dirty="0"/>
+          </a:p>
+          <a:p>
+            <a:r>
+              <a:rPr lang="en-US" sz="800" dirty="0">
+                <a:hlinkClick r:id="rId7"/>
+              </a:rPr>
+              <a:t>https://</a:t>
+            </a:r>
+            <a:r>
+              <a:rPr lang="en-US" sz="800" dirty="0" err="1">
+                <a:hlinkClick r:id="rId7"/>
+              </a:rPr>
+              <a:t>www.suunto.com</a:t>
+            </a:r>
+            <a:r>
+              <a:rPr lang="en-US" sz="800" dirty="0">
+                <a:hlinkClick r:id="rId7"/>
+              </a:rPr>
+              <a:t>/</a:t>
+            </a:r>
+            <a:r>
+              <a:rPr lang="en-US" sz="800" dirty="0" err="1">
+                <a:hlinkClick r:id="rId7"/>
+              </a:rPr>
+              <a:t>en</a:t>
+            </a:r>
+            <a:r>
+              <a:rPr lang="en-US" sz="800" dirty="0">
+                <a:hlinkClick r:id="rId7"/>
+              </a:rPr>
+              <a:t>-us/Support/Compasses-feature-index/Understanding-balancing-zones/</a:t>
+            </a:r>
+            <a:endParaRPr lang="en-US" sz="800" dirty="0"/>
+          </a:p>
+          <a:p>
+            <a:r>
+              <a:rPr lang="en-US" sz="800" dirty="0">
+                <a:hlinkClick r:id="rId8"/>
+              </a:rPr>
+              <a:t>https://</a:t>
+            </a:r>
+            <a:r>
+              <a:rPr lang="en-US" sz="800" dirty="0" err="1">
+                <a:hlinkClick r:id="rId8"/>
+              </a:rPr>
+              <a:t>www.timeanddate.com</a:t>
+            </a:r>
+            <a:r>
+              <a:rPr lang="en-US" sz="800" dirty="0">
+                <a:hlinkClick r:id="rId8"/>
+              </a:rPr>
+              <a:t>/geography/magnetic-</a:t>
+            </a:r>
+            <a:r>
+              <a:rPr lang="en-US" sz="800" dirty="0" err="1">
+                <a:hlinkClick r:id="rId8"/>
+              </a:rPr>
+              <a:t>declination.html</a:t>
+            </a:r>
+            <a:endParaRPr lang="en-US" sz="800" dirty="0"/>
+          </a:p>
+          <a:p>
+            <a:r>
+              <a:rPr lang="en-US" sz="800" dirty="0">
+                <a:hlinkClick r:id="rId9"/>
+              </a:rPr>
+              <a:t>https://</a:t>
+            </a:r>
+            <a:r>
+              <a:rPr lang="en-US" sz="800" dirty="0" err="1">
+                <a:hlinkClick r:id="rId9"/>
+              </a:rPr>
+              <a:t>www.forestry-suppliers.com</a:t>
+            </a:r>
+            <a:r>
+              <a:rPr lang="en-US" sz="800" dirty="0">
+                <a:hlinkClick r:id="rId9"/>
+              </a:rPr>
+              <a:t>/p/32292/13052/</a:t>
+            </a:r>
+            <a:r>
+              <a:rPr lang="en-US" sz="800" dirty="0" err="1">
+                <a:hlinkClick r:id="rId9"/>
+              </a:rPr>
+              <a:t>suunto</a:t>
+            </a:r>
+            <a:r>
+              <a:rPr lang="en-US" sz="800" dirty="0">
+                <a:hlinkClick r:id="rId9"/>
+              </a:rPr>
+              <a:t>-tandem-global-compass/</a:t>
+            </a:r>
+            <a:r>
+              <a:rPr lang="en-US" sz="800" dirty="0" err="1">
+                <a:hlinkClick r:id="rId9"/>
+              </a:rPr>
+              <a:t>clinometer?key</a:t>
+            </a:r>
+            <a:r>
+              <a:rPr lang="en-US" sz="800" dirty="0">
+                <a:hlinkClick r:id="rId9"/>
+              </a:rPr>
+              <a:t>=C48</a:t>
+            </a:r>
+            <a:endParaRPr lang="en-US" sz="800" dirty="0"/>
+          </a:p>
+          <a:p>
+            <a:r>
+              <a:rPr lang="en-US" sz="800" dirty="0">
+                <a:hlinkClick r:id="rId10"/>
+              </a:rPr>
+              <a:t>https://</a:t>
+            </a:r>
+            <a:r>
+              <a:rPr lang="en-US" sz="800" dirty="0" err="1">
+                <a:hlinkClick r:id="rId10"/>
+              </a:rPr>
+              <a:t>www.backpacker.com</a:t>
+            </a:r>
+            <a:r>
+              <a:rPr lang="en-US" sz="800" dirty="0">
+                <a:hlinkClick r:id="rId10"/>
+              </a:rPr>
+              <a:t>/skills/manually-adjust-declination/</a:t>
+            </a:r>
+            <a:endParaRPr lang="en-US" sz="800" dirty="0"/>
+          </a:p>
+        </p:txBody>
+      </p:sp>
+      <p:pic>
+        <p:nvPicPr>
+          <p:cNvPr id="9" name="Picture 8" descr="A person holding a silver compass&#10;&#10;AI-generated content may be incorrect.">
+            <a:extLst>
+              <a:ext uri="{FF2B5EF4-FFF2-40B4-BE49-F238E27FC236}">
+                <a16:creationId xmlns:a16="http://schemas.microsoft.com/office/drawing/2014/main" id="{A57B31BF-374A-E820-2FD6-4B63C4DB04C2}"/>
+              </a:ext>
+            </a:extLst>
+          </p:cNvPr>
+          <p:cNvPicPr>
+            <a:picLocks noChangeAspect="1"/>
+          </p:cNvPicPr>
+          <p:nvPr/>
+        </p:nvPicPr>
+        <p:blipFill>
+          <a:blip r:embed="rId11" cstate="email">
+            <a:extLst>
+              <a:ext uri="{28A0092B-C50C-407E-A947-70E740481C1C}">
+                <a14:useLocalDpi xmlns:a14="http://schemas.microsoft.com/office/drawing/2010/main"/>
+              </a:ext>
+            </a:extLst>
+          </a:blip>
+          <a:stretch>
+            <a:fillRect/>
+          </a:stretch>
+        </p:blipFill>
+        <p:spPr>
+          <a:xfrm>
+            <a:off x="7914661" y="780595"/>
+            <a:ext cx="2401039" cy="2894533"/>
+          </a:xfrm>
+          <a:prstGeom prst="rect">
+            <a:avLst/>
+          </a:prstGeom>
+        </p:spPr>
+      </p:pic>
+    </p:spTree>
+    <p:extLst>
+      <p:ext uri="{BB962C8B-B14F-4D97-AF65-F5344CB8AC3E}">
+        <p14:creationId xmlns:p14="http://schemas.microsoft.com/office/powerpoint/2010/main" val="3377456349"/>
+      </p:ext>
+    </p:extLst>
+  </p:cSld>
+  <p:clrMapOvr>
+    <a:masterClrMapping/>
+  </p:clrMapOvr>
+</p:sld>
+</file>
+
+<file path=ppt/slides/slide2.xml><?xml version="1.0" encoding="utf-8"?>
+<p:sld xmlns:a="http://schemas.openxmlformats.org/drawingml/2006/main" xmlns:r="http://schemas.openxmlformats.org/officeDocument/2006/relationships" xmlns:p="http://schemas.openxmlformats.org/presentationml/2006/main">
+  <p:cSld>
+    <p:spTree>
+      <p:nvGrpSpPr>
         <p:cNvPr id="1" name="">
           <a:extLst>
             <a:ext uri="{FF2B5EF4-FFF2-40B4-BE49-F238E27FC236}">
@@ -3893,7 +4405,7 @@
         <p:spPr>
           <a:xfrm>
             <a:off x="-1" y="9719"/>
-            <a:ext cx="6096001" cy="400110"/>
+            <a:ext cx="6096001" cy="523220"/>
           </a:xfrm>
           <a:prstGeom prst="rect">
             <a:avLst/>
@@ -3908,15 +4420,33 @@
           <a:p>
             <a:pPr algn="l"/>
             <a:r>
-              <a:rPr lang="en-US" sz="2000" b="1" i="0" dirty="0">
+              <a:rPr lang="en-US" sz="2800" b="1" dirty="0">
                 <a:solidFill>
-                  <a:srgbClr val="0F0F0F"/>
+                  <a:srgbClr val="000000"/>
+                </a:solidFill>
+                <a:latin typeface="Calibri" panose="020F0502020204030204" pitchFamily="34" charset="0"/>
+                <a:cs typeface="Calibri" panose="020F0502020204030204" pitchFamily="34" charset="0"/>
+              </a:rPr>
+              <a:t>T</a:t>
+            </a:r>
+            <a:r>
+              <a:rPr lang="en-US" sz="2800" b="1" i="0" u="none" strike="noStrike" dirty="0">
+                <a:solidFill>
+                  <a:srgbClr val="000000"/>
                 </a:solidFill>
                 <a:effectLst/>
-                <a:latin typeface="Roboto" panose="02000000000000000000" pitchFamily="2" charset="0"/>
-              </a:rPr>
-              <a:t>How to do survey of the area (map &amp; mark territory)</a:t>
-            </a:r>
+                <a:latin typeface="Calibri" panose="020F0502020204030204" pitchFamily="34" charset="0"/>
+                <a:cs typeface="Calibri" panose="020F0502020204030204" pitchFamily="34" charset="0"/>
+              </a:rPr>
+              <a:t>heodolite</a:t>
+            </a:r>
+            <a:endParaRPr lang="en-US" sz="2800" b="1" i="0" dirty="0">
+              <a:solidFill>
+                <a:srgbClr val="0F0F0F"/>
+              </a:solidFill>
+              <a:effectLst/>
+              <a:latin typeface="Roboto" panose="02000000000000000000" pitchFamily="2" charset="0"/>
+            </a:endParaRPr>
           </a:p>
         </p:txBody>
       </p:sp>
@@ -3934,8 +4464,8 @@
         </p:nvSpPr>
         <p:spPr>
           <a:xfrm>
-            <a:off x="143219" y="554713"/>
-            <a:ext cx="6284910" cy="5693866"/>
+            <a:off x="93115" y="679974"/>
+            <a:ext cx="6284910" cy="954107"/>
           </a:xfrm>
           <a:prstGeom prst="rect">
             <a:avLst/>
@@ -3975,411 +4505,163 @@
                 <a:latin typeface="Calibri" panose="020F0502020204030204" pitchFamily="34" charset="0"/>
                 <a:cs typeface="Calibri" panose="020F0502020204030204" pitchFamily="34" charset="0"/>
               </a:rPr>
-              <a:t>Best GPS Instruments for Land Surveying</a:t>
-            </a:r>
-          </a:p>
-          <a:p>
-            <a:pPr rtl="0">
-              <a:spcBef>
-                <a:spcPts val="0"/>
-              </a:spcBef>
-              <a:spcAft>
-                <a:spcPts val="0"/>
-              </a:spcAft>
-            </a:pPr>
-            <a:r>
-              <a:rPr lang="en-US" sz="1400" dirty="0">
-                <a:solidFill>
-                  <a:srgbClr val="000000"/>
-                </a:solidFill>
-                <a:latin typeface="Calibri" panose="020F0502020204030204" pitchFamily="34" charset="0"/>
-                <a:cs typeface="Calibri" panose="020F0502020204030204" pitchFamily="34" charset="0"/>
-                <a:hlinkClick r:id="rId3"/>
-              </a:rPr>
-              <a:t>https://</a:t>
-            </a:r>
-            <a:r>
-              <a:rPr lang="en-US" sz="1400" dirty="0" err="1">
-                <a:solidFill>
-                  <a:srgbClr val="000000"/>
-                </a:solidFill>
-                <a:latin typeface="Calibri" panose="020F0502020204030204" pitchFamily="34" charset="0"/>
-                <a:cs typeface="Calibri" panose="020F0502020204030204" pitchFamily="34" charset="0"/>
-                <a:hlinkClick r:id="rId3"/>
-              </a:rPr>
-              <a:t>www.baselineequipment.com</a:t>
-            </a:r>
-            <a:r>
-              <a:rPr lang="en-US" sz="1400" dirty="0">
-                <a:solidFill>
-                  <a:srgbClr val="000000"/>
-                </a:solidFill>
-                <a:latin typeface="Calibri" panose="020F0502020204030204" pitchFamily="34" charset="0"/>
-                <a:cs typeface="Calibri" panose="020F0502020204030204" pitchFamily="34" charset="0"/>
-                <a:hlinkClick r:id="rId3"/>
-              </a:rPr>
-              <a:t>/</a:t>
-            </a:r>
-            <a:r>
-              <a:rPr lang="en-US" sz="1400" dirty="0" err="1">
-                <a:solidFill>
-                  <a:srgbClr val="000000"/>
-                </a:solidFill>
-                <a:latin typeface="Calibri" panose="020F0502020204030204" pitchFamily="34" charset="0"/>
-                <a:cs typeface="Calibri" panose="020F0502020204030204" pitchFamily="34" charset="0"/>
-                <a:hlinkClick r:id="rId3"/>
-              </a:rPr>
-              <a:t>gps</a:t>
-            </a:r>
-            <a:r>
-              <a:rPr lang="en-US" sz="1400" dirty="0">
-                <a:solidFill>
-                  <a:srgbClr val="000000"/>
-                </a:solidFill>
-                <a:latin typeface="Calibri" panose="020F0502020204030204" pitchFamily="34" charset="0"/>
-                <a:cs typeface="Calibri" panose="020F0502020204030204" pitchFamily="34" charset="0"/>
-                <a:hlinkClick r:id="rId3"/>
-              </a:rPr>
-              <a:t>-land-surveying-equipment</a:t>
-            </a:r>
-            <a:r>
-              <a:rPr lang="en-US" sz="1400" dirty="0">
-                <a:solidFill>
-                  <a:srgbClr val="000000"/>
-                </a:solidFill>
-                <a:latin typeface="Calibri" panose="020F0502020204030204" pitchFamily="34" charset="0"/>
-                <a:cs typeface="Calibri" panose="020F0502020204030204" pitchFamily="34" charset="0"/>
-              </a:rPr>
-              <a:t> </a:t>
-            </a:r>
-          </a:p>
-          <a:p>
-            <a:pPr rtl="0">
-              <a:spcBef>
-                <a:spcPts val="0"/>
-              </a:spcBef>
-              <a:spcAft>
-                <a:spcPts val="0"/>
-              </a:spcAft>
-            </a:pPr>
-            <a:r>
-              <a:rPr lang="en-US" sz="1400" b="1" i="0" u="none" strike="noStrike" dirty="0">
-                <a:solidFill>
-                  <a:srgbClr val="FF0000"/>
-                </a:solidFill>
-                <a:effectLst/>
-                <a:latin typeface="Calibri" panose="020F0502020204030204" pitchFamily="34" charset="0"/>
-                <a:cs typeface="Calibri" panose="020F0502020204030204" pitchFamily="34" charset="0"/>
-              </a:rPr>
-              <a:t>Static GPS Baseline </a:t>
-            </a:r>
-            <a:r>
-              <a:rPr lang="en-US" sz="1400" b="0" i="0" u="none" strike="noStrike" dirty="0">
-                <a:solidFill>
-                  <a:srgbClr val="000000"/>
-                </a:solidFill>
-                <a:effectLst/>
-                <a:latin typeface="Calibri" panose="020F0502020204030204" pitchFamily="34" charset="0"/>
-                <a:cs typeface="Calibri" panose="020F0502020204030204" pitchFamily="34" charset="0"/>
-              </a:rPr>
-              <a:t>– This method is used to determine the coordinates for survey points by simultaneously recording GPS observations over both a known and unknown survey point for at least 20 minutes. The data is then processed to determine coordinates within 5mm accuracy.</a:t>
-            </a:r>
-          </a:p>
-          <a:p>
-            <a:pPr rtl="0">
-              <a:spcBef>
-                <a:spcPts val="0"/>
-              </a:spcBef>
-              <a:spcAft>
-                <a:spcPts val="0"/>
-              </a:spcAft>
-            </a:pPr>
-            <a:endParaRPr lang="en-US" sz="1400" b="0" i="0" u="none" strike="noStrike" dirty="0">
-              <a:solidFill>
-                <a:srgbClr val="000000"/>
-              </a:solidFill>
-              <a:effectLst/>
-              <a:latin typeface="Calibri" panose="020F0502020204030204" pitchFamily="34" charset="0"/>
-              <a:cs typeface="Calibri" panose="020F0502020204030204" pitchFamily="34" charset="0"/>
-            </a:endParaRPr>
-          </a:p>
-          <a:p>
-            <a:pPr rtl="0">
-              <a:spcBef>
-                <a:spcPts val="0"/>
-              </a:spcBef>
-              <a:spcAft>
-                <a:spcPts val="0"/>
-              </a:spcAft>
-            </a:pPr>
-            <a:r>
-              <a:rPr lang="en-US" sz="1400" b="1" i="0" u="none" strike="noStrike" dirty="0">
-                <a:solidFill>
-                  <a:srgbClr val="FF0000"/>
-                </a:solidFill>
-                <a:effectLst/>
-                <a:latin typeface="Calibri" panose="020F0502020204030204" pitchFamily="34" charset="0"/>
-                <a:cs typeface="Calibri" panose="020F0502020204030204" pitchFamily="34" charset="0"/>
-              </a:rPr>
-              <a:t>Real-Time Kinematic (RTK) Observations </a:t>
-            </a:r>
-            <a:r>
-              <a:rPr lang="en-US" sz="1400" b="0" i="0" u="none" strike="noStrike" dirty="0">
-                <a:solidFill>
-                  <a:srgbClr val="000000"/>
-                </a:solidFill>
-                <a:effectLst/>
-                <a:latin typeface="Calibri" panose="020F0502020204030204" pitchFamily="34" charset="0"/>
-                <a:cs typeface="Calibri" panose="020F0502020204030204" pitchFamily="34" charset="0"/>
-              </a:rPr>
-              <a:t>– In this method, one receiver remains open over a known point (the Base Station) while another receiver moves between different positions (the Rover Station). Using a radio link, the position of the Rover Station can be calculated within a few seconds, ensuring a similar level of accuracy to baseline measurements as long as they are within 10km of the Base Station.</a:t>
-            </a:r>
-          </a:p>
-          <a:p>
-            <a:pPr rtl="0">
-              <a:spcBef>
-                <a:spcPts val="0"/>
-              </a:spcBef>
-              <a:spcAft>
-                <a:spcPts val="0"/>
-              </a:spcAft>
-            </a:pPr>
-            <a:endParaRPr lang="en-US" sz="1400" b="0" i="0" u="none" strike="noStrike" dirty="0">
-              <a:solidFill>
-                <a:srgbClr val="000000"/>
-              </a:solidFill>
-              <a:effectLst/>
-              <a:latin typeface="Calibri" panose="020F0502020204030204" pitchFamily="34" charset="0"/>
-              <a:cs typeface="Calibri" panose="020F0502020204030204" pitchFamily="34" charset="0"/>
-            </a:endParaRPr>
-          </a:p>
-          <a:p>
-            <a:pPr rtl="0">
-              <a:spcBef>
-                <a:spcPts val="0"/>
-              </a:spcBef>
-              <a:spcAft>
-                <a:spcPts val="0"/>
-              </a:spcAft>
-            </a:pPr>
-            <a:r>
-              <a:rPr lang="en-US" sz="1400" b="1" i="0" u="none" strike="noStrike" dirty="0">
-                <a:solidFill>
-                  <a:srgbClr val="FF0000"/>
-                </a:solidFill>
-                <a:effectLst/>
-                <a:latin typeface="Calibri" panose="020F0502020204030204" pitchFamily="34" charset="0"/>
-                <a:cs typeface="Calibri" panose="020F0502020204030204" pitchFamily="34" charset="0"/>
-              </a:rPr>
-              <a:t>Continuously Operating Reference Stations (CORS) </a:t>
-            </a:r>
-            <a:r>
-              <a:rPr lang="en-US" sz="1400" b="0" i="0" u="none" strike="noStrike" dirty="0">
-                <a:solidFill>
-                  <a:srgbClr val="000000"/>
-                </a:solidFill>
-                <a:effectLst/>
-                <a:latin typeface="Calibri" panose="020F0502020204030204" pitchFamily="34" charset="0"/>
-                <a:cs typeface="Calibri" panose="020F0502020204030204" pitchFamily="34" charset="0"/>
-              </a:rPr>
-              <a:t>– In this system, a survey grade GPS receiver is permanently installed in a particular location as a starting point for any GPS measurements in the area. GPS survey equipment can collect field data and combine it with CORS data to accurately calculate positions.</a:t>
-            </a:r>
-          </a:p>
-          <a:p>
-            <a:pPr rtl="0">
-              <a:spcBef>
-                <a:spcPts val="0"/>
-              </a:spcBef>
-              <a:spcAft>
-                <a:spcPts val="0"/>
-              </a:spcAft>
-            </a:pPr>
+              <a:t>A theodolite is a precision instrument used for measuring angles both horizontally and vertically. Theodolites can rotate along their horizontal axis as well as their vertical axis. Theodolites have a lot in common with transits. A transit is a surveying instrument that also takes accurate angular measurements.</a:t>
+            </a:r>
             <a:endParaRPr lang="en-US" sz="1400" dirty="0">
               <a:solidFill>
-                <a:srgbClr val="000000"/>
+                <a:srgbClr val="0F0F0F"/>
               </a:solidFill>
               <a:latin typeface="Calibri" panose="020F0502020204030204" pitchFamily="34" charset="0"/>
               <a:cs typeface="Calibri" panose="020F0502020204030204" pitchFamily="34" charset="0"/>
             </a:endParaRPr>
           </a:p>
-          <a:p>
-            <a:pPr rtl="0">
-              <a:spcBef>
-                <a:spcPts val="0"/>
-              </a:spcBef>
-              <a:spcAft>
-                <a:spcPts val="0"/>
-              </a:spcAft>
-            </a:pPr>
-            <a:r>
-              <a:rPr lang="en-US" sz="1400" dirty="0">
+        </p:txBody>
+      </p:sp>
+      <p:pic>
+        <p:nvPicPr>
+          <p:cNvPr id="1026" name="Picture 2" descr="Theodolite | Angle Measurement ...">
+            <a:extLst>
+              <a:ext uri="{FF2B5EF4-FFF2-40B4-BE49-F238E27FC236}">
+                <a16:creationId xmlns:a16="http://schemas.microsoft.com/office/drawing/2014/main" id="{933C2584-47B9-4BD3-2D3F-28685E324F9C}"/>
+              </a:ext>
+            </a:extLst>
+          </p:cNvPr>
+          <p:cNvPicPr>
+            <a:picLocks noChangeAspect="1" noChangeArrowheads="1"/>
+          </p:cNvPicPr>
+          <p:nvPr/>
+        </p:nvPicPr>
+        <p:blipFill>
+          <a:blip r:embed="rId3">
+            <a:extLst>
+              <a:ext uri="{28A0092B-C50C-407E-A947-70E740481C1C}">
+                <a14:useLocalDpi xmlns:a14="http://schemas.microsoft.com/office/drawing/2010/main"/>
+              </a:ext>
+            </a:extLst>
+          </a:blip>
+          <a:srcRect/>
+          <a:stretch>
+            <a:fillRect/>
+          </a:stretch>
+        </p:blipFill>
+        <p:spPr bwMode="auto">
+          <a:xfrm>
+            <a:off x="311846" y="1781116"/>
+            <a:ext cx="2324100" cy="3505200"/>
+          </a:xfrm>
+          <a:prstGeom prst="rect">
+            <a:avLst/>
+          </a:prstGeom>
+          <a:noFill/>
+          <a:extLst>
+            <a:ext uri="{909E8E84-426E-40DD-AFC4-6F175D3DCCD1}">
+              <a14:hiddenFill xmlns:a14="http://schemas.microsoft.com/office/drawing/2010/main">
                 <a:solidFill>
-                  <a:srgbClr val="000000"/>
+                  <a:srgbClr val="FFFFFF"/>
                 </a:solidFill>
-                <a:latin typeface="Calibri" panose="020F0502020204030204" pitchFamily="34" charset="0"/>
-                <a:cs typeface="Calibri" panose="020F0502020204030204" pitchFamily="34" charset="0"/>
-              </a:rPr>
-              <a:t>A GPS receiver ranges from $4,000 to over $10,000, and the software itself costs upwards of $400. Additional equipment such as rover rods, poles, and tripods may increase the overall cost.</a:t>
-            </a:r>
-          </a:p>
-          <a:p>
-            <a:pPr rtl="0">
-              <a:spcBef>
-                <a:spcPts val="0"/>
-              </a:spcBef>
-              <a:spcAft>
-                <a:spcPts val="0"/>
-              </a:spcAft>
-            </a:pPr>
-            <a:endParaRPr lang="en-US" sz="1400" dirty="0">
-              <a:solidFill>
-                <a:srgbClr val="000000"/>
-              </a:solidFill>
-              <a:latin typeface="Calibri" panose="020F0502020204030204" pitchFamily="34" charset="0"/>
-              <a:cs typeface="Calibri" panose="020F0502020204030204" pitchFamily="34" charset="0"/>
-            </a:endParaRPr>
-          </a:p>
-          <a:p>
-            <a:pPr rtl="0">
-              <a:spcBef>
-                <a:spcPts val="0"/>
-              </a:spcBef>
-              <a:spcAft>
-                <a:spcPts val="0"/>
-              </a:spcAft>
-            </a:pPr>
-            <a:r>
-              <a:rPr lang="en-US" sz="1400" b="0" i="0" u="none" strike="noStrike" dirty="0">
+              </a14:hiddenFill>
+            </a:ext>
+          </a:extLst>
+        </p:spPr>
+      </p:pic>
+      <p:pic>
+        <p:nvPicPr>
+          <p:cNvPr id="1028" name="Picture 4" descr="Digital Electronic Theodolite Prexiso T ...">
+            <a:extLst>
+              <a:ext uri="{FF2B5EF4-FFF2-40B4-BE49-F238E27FC236}">
+                <a16:creationId xmlns:a16="http://schemas.microsoft.com/office/drawing/2014/main" id="{16699612-63AA-4AEE-D941-2574C9BA7489}"/>
+              </a:ext>
+            </a:extLst>
+          </p:cNvPr>
+          <p:cNvPicPr>
+            <a:picLocks noChangeAspect="1" noChangeArrowheads="1"/>
+          </p:cNvPicPr>
+          <p:nvPr/>
+        </p:nvPicPr>
+        <p:blipFill rotWithShape="1">
+          <a:blip r:embed="rId4" cstate="email">
+            <a:extLst>
+              <a:ext uri="{28A0092B-C50C-407E-A947-70E740481C1C}">
+                <a14:useLocalDpi xmlns:a14="http://schemas.microsoft.com/office/drawing/2010/main"/>
+              </a:ext>
+            </a:extLst>
+          </a:blip>
+          <a:srcRect/>
+          <a:stretch/>
+        </p:blipFill>
+        <p:spPr bwMode="auto">
+          <a:xfrm>
+            <a:off x="2883332" y="1781116"/>
+            <a:ext cx="1776349" cy="2857500"/>
+          </a:xfrm>
+          <a:prstGeom prst="rect">
+            <a:avLst/>
+          </a:prstGeom>
+          <a:noFill/>
+          <a:extLst>
+            <a:ext uri="{909E8E84-426E-40DD-AFC4-6F175D3DCCD1}">
+              <a14:hiddenFill xmlns:a14="http://schemas.microsoft.com/office/drawing/2010/main">
                 <a:solidFill>
-                  <a:srgbClr val="000000"/>
+                  <a:srgbClr val="FFFFFF"/>
                 </a:solidFill>
-                <a:effectLst/>
-                <a:latin typeface="Calibri" panose="020F0502020204030204" pitchFamily="34" charset="0"/>
-                <a:cs typeface="Calibri" panose="020F0502020204030204" pitchFamily="34" charset="0"/>
-              </a:rPr>
-              <a:t>How to use GPS on your phone to land survey an area?</a:t>
-            </a:r>
-            <a:endParaRPr lang="en-US" sz="1400" b="0" dirty="0">
-              <a:effectLst/>
-              <a:latin typeface="Calibri" panose="020F0502020204030204" pitchFamily="34" charset="0"/>
-              <a:cs typeface="Calibri" panose="020F0502020204030204" pitchFamily="34" charset="0"/>
-            </a:endParaRPr>
-          </a:p>
-          <a:p>
-            <a:pPr rtl="0">
-              <a:spcBef>
-                <a:spcPts val="0"/>
-              </a:spcBef>
-              <a:spcAft>
-                <a:spcPts val="0"/>
-              </a:spcAft>
-            </a:pPr>
-            <a:r>
-              <a:rPr lang="en-US" sz="1400" b="0" i="0" u="none" strike="noStrike" dirty="0">
+              </a14:hiddenFill>
+            </a:ext>
+          </a:extLst>
+        </p:spPr>
+      </p:pic>
+      <p:pic>
+        <p:nvPicPr>
+          <p:cNvPr id="1030" name="Picture 6" descr="Transit Levels: All About Transit ...">
+            <a:extLst>
+              <a:ext uri="{FF2B5EF4-FFF2-40B4-BE49-F238E27FC236}">
+                <a16:creationId xmlns:a16="http://schemas.microsoft.com/office/drawing/2014/main" id="{4F6A0752-8555-A61D-6A57-59B34E2A67FB}"/>
+              </a:ext>
+            </a:extLst>
+          </p:cNvPr>
+          <p:cNvPicPr>
+            <a:picLocks noChangeAspect="1" noChangeArrowheads="1"/>
+          </p:cNvPicPr>
+          <p:nvPr/>
+        </p:nvPicPr>
+        <p:blipFill>
+          <a:blip r:embed="rId5" cstate="email">
+            <a:extLst>
+              <a:ext uri="{28A0092B-C50C-407E-A947-70E740481C1C}">
+                <a14:useLocalDpi xmlns:a14="http://schemas.microsoft.com/office/drawing/2010/main"/>
+              </a:ext>
+            </a:extLst>
+          </a:blip>
+          <a:srcRect/>
+          <a:stretch>
+            <a:fillRect/>
+          </a:stretch>
+        </p:blipFill>
+        <p:spPr bwMode="auto">
+          <a:xfrm>
+            <a:off x="5030750" y="2139065"/>
+            <a:ext cx="2130500" cy="1931894"/>
+          </a:xfrm>
+          <a:prstGeom prst="rect">
+            <a:avLst/>
+          </a:prstGeom>
+          <a:noFill/>
+          <a:extLst>
+            <a:ext uri="{909E8E84-426E-40DD-AFC4-6F175D3DCCD1}">
+              <a14:hiddenFill xmlns:a14="http://schemas.microsoft.com/office/drawing/2010/main">
                 <a:solidFill>
-                  <a:srgbClr val="000000"/>
+                  <a:srgbClr val="FFFFFF"/>
                 </a:solidFill>
-                <a:effectLst/>
-                <a:latin typeface="Calibri" panose="020F0502020204030204" pitchFamily="34" charset="0"/>
-                <a:cs typeface="Calibri" panose="020F0502020204030204" pitchFamily="34" charset="0"/>
-              </a:rPr>
-              <a:t>.. </a:t>
-            </a:r>
-            <a:r>
-              <a:rPr lang="en-US" sz="1400" b="0" i="0" u="sng" strike="noStrike" dirty="0">
-                <a:solidFill>
-                  <a:srgbClr val="000000"/>
-                </a:solidFill>
-                <a:effectLst/>
-                <a:latin typeface="Calibri" panose="020F0502020204030204" pitchFamily="34" charset="0"/>
-                <a:cs typeface="Calibri" panose="020F0502020204030204" pitchFamily="34" charset="0"/>
-                <a:hlinkClick r:id="rId4"/>
-              </a:rPr>
-              <a:t>https://www.youtube.com/watch?v=aA5v17Gh4Fo</a:t>
-            </a:r>
-            <a:r>
-              <a:rPr lang="en-US" sz="1400" b="0" i="0" u="none" strike="noStrike" dirty="0">
-                <a:solidFill>
-                  <a:srgbClr val="000000"/>
-                </a:solidFill>
-                <a:effectLst/>
-                <a:latin typeface="Calibri" panose="020F0502020204030204" pitchFamily="34" charset="0"/>
-                <a:cs typeface="Calibri" panose="020F0502020204030204" pitchFamily="34" charset="0"/>
-              </a:rPr>
-              <a:t> </a:t>
-            </a:r>
-            <a:br>
-              <a:rPr lang="en-US" sz="1400" b="0" dirty="0">
-                <a:effectLst/>
-                <a:latin typeface="Calibri" panose="020F0502020204030204" pitchFamily="34" charset="0"/>
-                <a:cs typeface="Calibri" panose="020F0502020204030204" pitchFamily="34" charset="0"/>
-              </a:rPr>
-            </a:br>
-            <a:r>
-              <a:rPr lang="en-US" sz="1400" b="0" i="0" u="none" strike="noStrike" dirty="0">
-                <a:solidFill>
-                  <a:srgbClr val="000000"/>
-                </a:solidFill>
-                <a:effectLst/>
-                <a:latin typeface="Calibri" panose="020F0502020204030204" pitchFamily="34" charset="0"/>
-                <a:cs typeface="Calibri" panose="020F0502020204030204" pitchFamily="34" charset="0"/>
-              </a:rPr>
-              <a:t>Use an app "Land Survey"</a:t>
-            </a:r>
-            <a:br>
-              <a:rPr lang="en-US" sz="1400" b="0" dirty="0">
-                <a:effectLst/>
-                <a:latin typeface="Calibri" panose="020F0502020204030204" pitchFamily="34" charset="0"/>
-                <a:cs typeface="Calibri" panose="020F0502020204030204" pitchFamily="34" charset="0"/>
-              </a:rPr>
-            </a:br>
-            <a:r>
-              <a:rPr lang="en-US" sz="1400" b="0" i="0" u="none" strike="noStrike" dirty="0">
-                <a:solidFill>
-                  <a:srgbClr val="000000"/>
-                </a:solidFill>
-                <a:effectLst/>
-                <a:latin typeface="Calibri" panose="020F0502020204030204" pitchFamily="34" charset="0"/>
-                <a:cs typeface="Calibri" panose="020F0502020204030204" pitchFamily="34" charset="0"/>
-              </a:rPr>
-              <a:t>Also "</a:t>
-            </a:r>
-            <a:r>
-              <a:rPr lang="en-US" sz="1400" b="0" i="0" u="none" strike="noStrike" dirty="0" err="1">
-                <a:solidFill>
-                  <a:srgbClr val="000000"/>
-                </a:solidFill>
-                <a:effectLst/>
-                <a:latin typeface="Calibri" panose="020F0502020204030204" pitchFamily="34" charset="0"/>
-                <a:cs typeface="Calibri" panose="020F0502020204030204" pitchFamily="34" charset="0"/>
-              </a:rPr>
-              <a:t>AllTrails</a:t>
-            </a:r>
-            <a:r>
-              <a:rPr lang="en-US" sz="1400" b="0" i="0" u="none" strike="noStrike" dirty="0">
-                <a:solidFill>
-                  <a:srgbClr val="000000"/>
-                </a:solidFill>
-                <a:effectLst/>
-                <a:latin typeface="Calibri" panose="020F0502020204030204" pitchFamily="34" charset="0"/>
-                <a:cs typeface="Calibri" panose="020F0502020204030204" pitchFamily="34" charset="0"/>
-              </a:rPr>
-              <a:t>" app shows GPS coordinates</a:t>
-            </a:r>
-            <a:endParaRPr lang="en-US" sz="1400" b="0" dirty="0">
-              <a:effectLst/>
-              <a:latin typeface="Calibri" panose="020F0502020204030204" pitchFamily="34" charset="0"/>
-              <a:cs typeface="Calibri" panose="020F0502020204030204" pitchFamily="34" charset="0"/>
-            </a:endParaRPr>
-          </a:p>
-        </p:txBody>
-      </p:sp>
+              </a14:hiddenFill>
+            </a:ext>
+          </a:extLst>
+        </p:spPr>
+      </p:pic>
       <p:sp>
         <p:nvSpPr>
           <p:cNvPr id="3" name="TextBox 2">
             <a:extLst>
               <a:ext uri="{FF2B5EF4-FFF2-40B4-BE49-F238E27FC236}">
-                <a16:creationId xmlns:a16="http://schemas.microsoft.com/office/drawing/2014/main" id="{81B03797-18C7-020D-E90F-374F3ED4D202}"/>
+                <a16:creationId xmlns:a16="http://schemas.microsoft.com/office/drawing/2014/main" id="{6F84C7F9-4E9E-E577-C8EE-75E397568CA6}"/>
               </a:ext>
             </a:extLst>
           </p:cNvPr>
@@ -4388,8 +4670,8 @@
         </p:nvSpPr>
         <p:spPr>
           <a:xfrm>
-            <a:off x="7227518" y="329244"/>
-            <a:ext cx="4937532" cy="738664"/>
+            <a:off x="3235570" y="4785651"/>
+            <a:ext cx="1197067" cy="307777"/>
           </a:xfrm>
           <a:prstGeom prst="rect">
             <a:avLst/>
@@ -4412,7 +4694,7 @@
           </a:bodyPr>
           <a:lstStyle/>
           <a:p>
-            <a:pPr rtl="0">
+            <a:pPr algn="ctr" rtl="0">
               <a:spcBef>
                 <a:spcPts val="0"/>
               </a:spcBef>
@@ -4421,140 +4703,42 @@
               </a:spcAft>
             </a:pPr>
             <a:r>
-              <a:rPr lang="en-US" sz="1400" b="0" dirty="0">
+              <a:rPr lang="en-US" sz="1400" b="0" i="0" u="none" strike="noStrike" dirty="0">
+                <a:solidFill>
+                  <a:srgbClr val="000000"/>
+                </a:solidFill>
                 <a:effectLst/>
                 <a:latin typeface="Calibri" panose="020F0502020204030204" pitchFamily="34" charset="0"/>
                 <a:cs typeface="Calibri" panose="020F0502020204030204" pitchFamily="34" charset="0"/>
               </a:rPr>
-              <a:t>STONEX S900+ GNSS Receiver (2..5 cm accuracy)</a:t>
-            </a:r>
-          </a:p>
-          <a:p>
-            <a:pPr rtl="0">
-              <a:spcBef>
-                <a:spcPts val="0"/>
-              </a:spcBef>
-              <a:spcAft>
-                <a:spcPts val="0"/>
-              </a:spcAft>
-            </a:pPr>
-            <a:r>
-              <a:rPr lang="en-US" sz="1400" dirty="0">
-                <a:latin typeface="Calibri" panose="020F0502020204030204" pitchFamily="34" charset="0"/>
-                <a:cs typeface="Calibri" panose="020F0502020204030204" pitchFamily="34" charset="0"/>
-              </a:rPr>
-              <a:t>$7,600 .. $10,300</a:t>
-            </a:r>
-            <a:endParaRPr lang="en-US" sz="1400" b="0" dirty="0">
-              <a:effectLst/>
+              <a:t>theodolite</a:t>
+            </a:r>
+            <a:endParaRPr lang="en-US" sz="1400" dirty="0">
+              <a:solidFill>
+                <a:srgbClr val="0F0F0F"/>
+              </a:solidFill>
               <a:latin typeface="Calibri" panose="020F0502020204030204" pitchFamily="34" charset="0"/>
               <a:cs typeface="Calibri" panose="020F0502020204030204" pitchFamily="34" charset="0"/>
             </a:endParaRPr>
           </a:p>
-          <a:p>
-            <a:pPr rtl="0">
-              <a:spcBef>
-                <a:spcPts val="0"/>
-              </a:spcBef>
-              <a:spcAft>
-                <a:spcPts val="0"/>
-              </a:spcAft>
-            </a:pPr>
-            <a:r>
-              <a:rPr lang="en-US" sz="1400" b="0" dirty="0">
-                <a:effectLst/>
-                <a:latin typeface="Calibri" panose="020F0502020204030204" pitchFamily="34" charset="0"/>
-                <a:cs typeface="Calibri" panose="020F0502020204030204" pitchFamily="34" charset="0"/>
-                <a:hlinkClick r:id="rId5"/>
-              </a:rPr>
-              <a:t>https://</a:t>
-            </a:r>
-            <a:r>
-              <a:rPr lang="en-US" sz="1400" b="0" dirty="0" err="1">
-                <a:effectLst/>
-                <a:latin typeface="Calibri" panose="020F0502020204030204" pitchFamily="34" charset="0"/>
-                <a:cs typeface="Calibri" panose="020F0502020204030204" pitchFamily="34" charset="0"/>
-                <a:hlinkClick r:id="rId5"/>
-              </a:rPr>
-              <a:t>www.baselineequipment.com</a:t>
-            </a:r>
-            <a:r>
-              <a:rPr lang="en-US" sz="1400" b="0" dirty="0">
-                <a:effectLst/>
-                <a:latin typeface="Calibri" panose="020F0502020204030204" pitchFamily="34" charset="0"/>
-                <a:cs typeface="Calibri" panose="020F0502020204030204" pitchFamily="34" charset="0"/>
-                <a:hlinkClick r:id="rId5"/>
-              </a:rPr>
-              <a:t>/stonex-s900-gnss-receiver</a:t>
-            </a:r>
-            <a:r>
-              <a:rPr lang="en-US" sz="1400" dirty="0">
-                <a:latin typeface="Calibri" panose="020F0502020204030204" pitchFamily="34" charset="0"/>
-                <a:cs typeface="Calibri" panose="020F0502020204030204" pitchFamily="34" charset="0"/>
-                <a:hlinkClick r:id="rId5"/>
-              </a:rPr>
-              <a:t> </a:t>
-            </a:r>
-            <a:endParaRPr lang="en-US" sz="1400" b="0" dirty="0">
-              <a:effectLst/>
-              <a:latin typeface="Calibri" panose="020F0502020204030204" pitchFamily="34" charset="0"/>
-              <a:cs typeface="Calibri" panose="020F0502020204030204" pitchFamily="34" charset="0"/>
-            </a:endParaRPr>
-          </a:p>
-        </p:txBody>
-      </p:sp>
-      <p:pic>
-        <p:nvPicPr>
-          <p:cNvPr id="5" name="Picture 4">
-            <a:extLst>
-              <a:ext uri="{FF2B5EF4-FFF2-40B4-BE49-F238E27FC236}">
-                <a16:creationId xmlns:a16="http://schemas.microsoft.com/office/drawing/2014/main" id="{5B0D1D91-FCD3-5177-244A-116993BBEB07}"/>
-              </a:ext>
-            </a:extLst>
-          </p:cNvPr>
-          <p:cNvPicPr>
-            <a:picLocks noChangeAspect="1"/>
-          </p:cNvPicPr>
+        </p:txBody>
+      </p:sp>
+      <p:sp>
+        <p:nvSpPr>
+          <p:cNvPr id="5" name="TextBox 4">
+            <a:extLst>
+              <a:ext uri="{FF2B5EF4-FFF2-40B4-BE49-F238E27FC236}">
+                <a16:creationId xmlns:a16="http://schemas.microsoft.com/office/drawing/2014/main" id="{0B4D778B-139A-279A-0980-9B489BAD5A58}"/>
+              </a:ext>
+            </a:extLst>
+          </p:cNvPr>
+          <p:cNvSpPr txBox="1"/>
           <p:nvPr/>
-        </p:nvPicPr>
-        <p:blipFill>
-          <a:blip r:embed="rId6" cstate="email">
-            <a:extLst>
-              <a:ext uri="{28A0092B-C50C-407E-A947-70E740481C1C}">
-                <a14:useLocalDpi xmlns:a14="http://schemas.microsoft.com/office/drawing/2010/main"/>
-              </a:ext>
-            </a:extLst>
-          </a:blip>
-          <a:stretch>
-            <a:fillRect/>
-          </a:stretch>
-        </p:blipFill>
+        </p:nvSpPr>
         <p:spPr>
           <a:xfrm>
-            <a:off x="6914984" y="1223723"/>
-            <a:ext cx="2781300" cy="1930400"/>
-          </a:xfrm>
-          <a:prstGeom prst="rect">
-            <a:avLst/>
-          </a:prstGeom>
-        </p:spPr>
-      </p:pic>
-      <p:sp>
-        <p:nvSpPr>
-          <p:cNvPr id="6" name="TextBox 5">
-            <a:extLst>
-              <a:ext uri="{FF2B5EF4-FFF2-40B4-BE49-F238E27FC236}">
-                <a16:creationId xmlns:a16="http://schemas.microsoft.com/office/drawing/2014/main" id="{A06C7B96-8A02-57C3-48CF-EEA628106888}"/>
-              </a:ext>
-            </a:extLst>
-          </p:cNvPr>
-          <p:cNvSpPr txBox="1"/>
-          <p:nvPr/>
-        </p:nvSpPr>
-        <p:spPr>
-          <a:xfrm>
-            <a:off x="7111249" y="3986845"/>
-            <a:ext cx="4937532" cy="1815882"/>
+            <a:off x="5392135" y="4260224"/>
+            <a:ext cx="1197067" cy="307777"/>
           </a:xfrm>
           <a:prstGeom prst="rect">
             <a:avLst/>
@@ -4577,6 +4761,73 @@
           </a:bodyPr>
           <a:lstStyle/>
           <a:p>
+            <a:pPr algn="ctr" rtl="0">
+              <a:spcBef>
+                <a:spcPts val="0"/>
+              </a:spcBef>
+              <a:spcAft>
+                <a:spcPts val="0"/>
+              </a:spcAft>
+            </a:pPr>
+            <a:r>
+              <a:rPr lang="en-US" sz="1400" b="0" i="0" u="none" strike="noStrike" dirty="0">
+                <a:solidFill>
+                  <a:srgbClr val="000000"/>
+                </a:solidFill>
+                <a:effectLst/>
+                <a:latin typeface="Calibri" panose="020F0502020204030204" pitchFamily="34" charset="0"/>
+                <a:cs typeface="Calibri" panose="020F0502020204030204" pitchFamily="34" charset="0"/>
+              </a:rPr>
+              <a:t>transit</a:t>
+            </a:r>
+            <a:endParaRPr lang="en-US" sz="1400" dirty="0">
+              <a:solidFill>
+                <a:srgbClr val="0F0F0F"/>
+              </a:solidFill>
+              <a:latin typeface="Calibri" panose="020F0502020204030204" pitchFamily="34" charset="0"/>
+              <a:cs typeface="Calibri" panose="020F0502020204030204" pitchFamily="34" charset="0"/>
+            </a:endParaRPr>
+          </a:p>
+        </p:txBody>
+      </p:sp>
+      <p:sp>
+        <p:nvSpPr>
+          <p:cNvPr id="6" name="TextBox 5">
+            <a:extLst>
+              <a:ext uri="{FF2B5EF4-FFF2-40B4-BE49-F238E27FC236}">
+                <a16:creationId xmlns:a16="http://schemas.microsoft.com/office/drawing/2014/main" id="{D5B22834-0FC6-00B5-60A4-CB43DB9DA2F7}"/>
+              </a:ext>
+            </a:extLst>
+          </p:cNvPr>
+          <p:cNvSpPr txBox="1"/>
+          <p:nvPr/>
+        </p:nvSpPr>
+        <p:spPr>
+          <a:xfrm>
+            <a:off x="311846" y="5802347"/>
+            <a:ext cx="3032603" cy="523220"/>
+          </a:xfrm>
+          <a:prstGeom prst="rect">
+            <a:avLst/>
+          </a:prstGeom>
+          <a:solidFill>
+            <a:schemeClr val="accent4">
+              <a:lumMod val="20000"/>
+              <a:lumOff val="80000"/>
+            </a:schemeClr>
+          </a:solidFill>
+          <a:ln>
+            <a:solidFill>
+              <a:srgbClr val="FF0000"/>
+            </a:solidFill>
+          </a:ln>
+        </p:spPr>
+        <p:txBody>
+          <a:bodyPr wrap="square" rtlCol="0">
+            <a:spAutoFit/>
+          </a:bodyPr>
+          <a:lstStyle/>
+          <a:p>
             <a:pPr rtl="0">
               <a:spcBef>
                 <a:spcPts val="0"/>
@@ -4586,12 +4837,15 @@
               </a:spcAft>
             </a:pPr>
             <a:r>
-              <a:rPr lang="en-US" sz="1400" b="0" dirty="0">
+              <a:rPr lang="en-US" sz="1400" b="0" i="0" u="none" strike="noStrike" dirty="0">
+                <a:solidFill>
+                  <a:srgbClr val="000000"/>
+                </a:solidFill>
                 <a:effectLst/>
                 <a:latin typeface="Calibri" panose="020F0502020204030204" pitchFamily="34" charset="0"/>
                 <a:cs typeface="Calibri" panose="020F0502020204030204" pitchFamily="34" charset="0"/>
               </a:rPr>
-              <a:t>GNSS (Global Navigation Satellite Systems) are used by land surveyors for geodetic control networks and photogrammetric control. </a:t>
+              <a:t>theodolite price $200 .. $1200 .. $4200</a:t>
             </a:r>
           </a:p>
           <a:p>
@@ -4605,20 +4859,61 @@
             </a:pPr>
             <a:r>
               <a:rPr lang="en-US" sz="1400" dirty="0">
+                <a:solidFill>
+                  <a:srgbClr val="000000"/>
+                </a:solidFill>
                 <a:latin typeface="Calibri" panose="020F0502020204030204" pitchFamily="34" charset="0"/>
                 <a:cs typeface="Calibri" panose="020F0502020204030204" pitchFamily="34" charset="0"/>
               </a:rPr>
-              <a:t>A</a:t>
-            </a:r>
-            <a:r>
-              <a:rPr lang="en-US" sz="1400" b="0" dirty="0">
-                <a:effectLst/>
-                <a:latin typeface="Calibri" panose="020F0502020204030204" pitchFamily="34" charset="0"/>
-                <a:cs typeface="Calibri" panose="020F0502020204030204" pitchFamily="34" charset="0"/>
-              </a:rPr>
-              <a:t> GNSS receiver uses code measurement and/or carrier phase measurement on the GNSS signal to determine the distance between receivers and satellites. </a:t>
-            </a:r>
-          </a:p>
+              <a:t>New models are digital and use laser</a:t>
+            </a:r>
+            <a:endParaRPr lang="en-US" sz="1400" dirty="0">
+              <a:solidFill>
+                <a:srgbClr val="0F0F0F"/>
+              </a:solidFill>
+              <a:latin typeface="Calibri" panose="020F0502020204030204" pitchFamily="34" charset="0"/>
+              <a:cs typeface="Calibri" panose="020F0502020204030204" pitchFamily="34" charset="0"/>
+            </a:endParaRPr>
+          </a:p>
+        </p:txBody>
+      </p:sp>
+      <p:sp>
+        <p:nvSpPr>
+          <p:cNvPr id="9" name="TextBox 8">
+            <a:extLst>
+              <a:ext uri="{FF2B5EF4-FFF2-40B4-BE49-F238E27FC236}">
+                <a16:creationId xmlns:a16="http://schemas.microsoft.com/office/drawing/2014/main" id="{E89CBF96-4ADE-8CF2-E485-C8C0E128E851}"/>
+              </a:ext>
+            </a:extLst>
+          </p:cNvPr>
+          <p:cNvSpPr txBox="1"/>
+          <p:nvPr/>
+        </p:nvSpPr>
+        <p:spPr>
+          <a:xfrm>
+            <a:off x="7866345" y="532939"/>
+            <a:ext cx="4232540" cy="1815882"/>
+          </a:xfrm>
+          <a:prstGeom prst="rect">
+            <a:avLst/>
+          </a:prstGeom>
+          <a:solidFill>
+            <a:schemeClr val="accent4">
+              <a:lumMod val="20000"/>
+              <a:lumOff val="80000"/>
+            </a:schemeClr>
+          </a:solidFill>
+          <a:ln>
+            <a:solidFill>
+              <a:srgbClr val="FF0000"/>
+            </a:solidFill>
+          </a:ln>
+        </p:spPr>
+        <p:txBody>
+          <a:bodyPr wrap="square" rtlCol="0">
+            <a:spAutoFit/>
+          </a:bodyPr>
+          <a:lstStyle/>
           <a:p>
             <a:pPr rtl="0">
               <a:spcBef>
@@ -4629,411 +4924,30 @@
               </a:spcAft>
             </a:pPr>
             <a:r>
-              <a:rPr lang="en-US" sz="1400" b="0" dirty="0">
+              <a:rPr lang="en-US" sz="1400" b="0" i="0" u="none" strike="noStrike" dirty="0">
+                <a:solidFill>
+                  <a:srgbClr val="000000"/>
+                </a:solidFill>
                 <a:effectLst/>
                 <a:latin typeface="Calibri" panose="020F0502020204030204" pitchFamily="34" charset="0"/>
                 <a:cs typeface="Calibri" panose="020F0502020204030204" pitchFamily="34" charset="0"/>
               </a:rPr>
-              <a:t>The receiver then calculates its position based on the distances to at least four satellites.</a:t>
-            </a:r>
+              <a:t>A theodolite survey is a survey that uses a theodolite, a precision optical instrument, to measure vertical and horizontal angles between visible points. Theodolites are often used for land surveying, but can also be used for building and infrastructure construction. They are considered the most accurate instrument for measuring angles and can be used to locate points on a line, extend survey lines, and find elevation differences. </a:t>
+            </a:r>
+            <a:endParaRPr lang="en-US" sz="1400" dirty="0">
+              <a:solidFill>
+                <a:srgbClr val="0F0F0F"/>
+              </a:solidFill>
+              <a:latin typeface="Calibri" panose="020F0502020204030204" pitchFamily="34" charset="0"/>
+              <a:cs typeface="Calibri" panose="020F0502020204030204" pitchFamily="34" charset="0"/>
+            </a:endParaRPr>
           </a:p>
         </p:txBody>
       </p:sp>
     </p:spTree>
     <p:extLst>
       <p:ext uri="{BB962C8B-B14F-4D97-AF65-F5344CB8AC3E}">
-        <p14:creationId xmlns:p14="http://schemas.microsoft.com/office/powerpoint/2010/main" val="1053730920"/>
-      </p:ext>
-    </p:extLst>
-  </p:cSld>
-  <p:clrMapOvr>
-    <a:masterClrMapping/>
-  </p:clrMapOvr>
-</p:sld>
-</file>
-
-<file path=ppt/slides/slide2.xml><?xml version="1.0" encoding="utf-8"?>
-<p:sld xmlns:a="http://schemas.openxmlformats.org/drawingml/2006/main" xmlns:r="http://schemas.openxmlformats.org/officeDocument/2006/relationships" xmlns:p="http://schemas.openxmlformats.org/presentationml/2006/main">
-  <p:cSld>
-    <p:spTree>
-      <p:nvGrpSpPr>
-        <p:cNvPr id="1" name=""/>
-        <p:cNvGrpSpPr/>
-        <p:nvPr/>
-      </p:nvGrpSpPr>
-      <p:grpSpPr>
-        <a:xfrm>
-          <a:off x="0" y="0"/>
-          <a:ext cx="0" cy="0"/>
-          <a:chOff x="0" y="0"/>
-          <a:chExt cx="0" cy="0"/>
-        </a:xfrm>
-      </p:grpSpPr>
-      <p:sp>
-        <p:nvSpPr>
-          <p:cNvPr id="3" name="TextBox 2">
-            <a:extLst>
-              <a:ext uri="{FF2B5EF4-FFF2-40B4-BE49-F238E27FC236}">
-                <a16:creationId xmlns:a16="http://schemas.microsoft.com/office/drawing/2014/main" id="{A940E9D8-4658-A5E7-D326-FB98C80E47BC}"/>
-              </a:ext>
-            </a:extLst>
-          </p:cNvPr>
-          <p:cNvSpPr txBox="1"/>
-          <p:nvPr/>
-        </p:nvSpPr>
-        <p:spPr>
-          <a:xfrm>
-            <a:off x="316008" y="3952075"/>
-            <a:ext cx="4161863" cy="400110"/>
-          </a:xfrm>
-          <a:prstGeom prst="rect">
-            <a:avLst/>
-          </a:prstGeom>
-          <a:noFill/>
-        </p:spPr>
-        <p:txBody>
-          <a:bodyPr wrap="square">
-            <a:spAutoFit/>
-          </a:bodyPr>
-          <a:lstStyle/>
-          <a:p>
-            <a:pPr marL="171450" indent="-171450">
-              <a:buFont typeface="Arial" panose="020B0604020202020204" pitchFamily="34" charset="0"/>
-              <a:buChar char="•"/>
-            </a:pPr>
-            <a:r>
-              <a:rPr lang="en-US" sz="1000" dirty="0">
-                <a:hlinkClick r:id="rId2"/>
-              </a:rPr>
-              <a:t>https://hikingguy.com/hiking-gear/garmin-gpsmap-66sr-review-test/</a:t>
-            </a:r>
-            <a:r>
-              <a:rPr lang="en-US" sz="1000" dirty="0"/>
-              <a:t>  </a:t>
-            </a:r>
-          </a:p>
-          <a:p>
-            <a:pPr marL="171450" indent="-171450">
-              <a:buFont typeface="Arial" panose="020B0604020202020204" pitchFamily="34" charset="0"/>
-              <a:buChar char="•"/>
-            </a:pPr>
-            <a:r>
-              <a:rPr lang="en-US" sz="1000" dirty="0">
-                <a:hlinkClick r:id="rId3"/>
-              </a:rPr>
-              <a:t>https://</a:t>
-            </a:r>
-            <a:r>
-              <a:rPr lang="en-US" sz="1000" dirty="0" err="1">
-                <a:hlinkClick r:id="rId3"/>
-              </a:rPr>
-              <a:t>www.amazon.com</a:t>
-            </a:r>
-            <a:r>
-              <a:rPr lang="en-US" sz="1000" dirty="0">
-                <a:hlinkClick r:id="rId3"/>
-              </a:rPr>
-              <a:t>/</a:t>
-            </a:r>
-            <a:r>
-              <a:rPr lang="en-US" sz="1000" dirty="0" err="1">
-                <a:hlinkClick r:id="rId3"/>
-              </a:rPr>
-              <a:t>dp</a:t>
-            </a:r>
-            <a:r>
-              <a:rPr lang="en-US" sz="1000" dirty="0">
-                <a:hlinkClick r:id="rId3"/>
-              </a:rPr>
-              <a:t>/B08HR5JZCY</a:t>
-            </a:r>
-            <a:r>
-              <a:rPr lang="en-US" sz="1000" dirty="0"/>
-              <a:t> </a:t>
-            </a:r>
-          </a:p>
-        </p:txBody>
-      </p:sp>
-      <p:sp>
-        <p:nvSpPr>
-          <p:cNvPr id="4" name="TextBox 3">
-            <a:extLst>
-              <a:ext uri="{FF2B5EF4-FFF2-40B4-BE49-F238E27FC236}">
-                <a16:creationId xmlns:a16="http://schemas.microsoft.com/office/drawing/2014/main" id="{7BEE8153-DD0A-58E0-C7D8-9CA2E424E664}"/>
-              </a:ext>
-            </a:extLst>
-          </p:cNvPr>
-          <p:cNvSpPr txBox="1"/>
-          <p:nvPr/>
-        </p:nvSpPr>
-        <p:spPr>
-          <a:xfrm>
-            <a:off x="477372" y="241611"/>
-            <a:ext cx="2571749" cy="646331"/>
-          </a:xfrm>
-          <a:prstGeom prst="rect">
-            <a:avLst/>
-          </a:prstGeom>
-          <a:noFill/>
-        </p:spPr>
-        <p:txBody>
-          <a:bodyPr wrap="square">
-            <a:spAutoFit/>
-          </a:bodyPr>
-          <a:lstStyle/>
-          <a:p>
-            <a:r>
-              <a:rPr lang="en-US" dirty="0"/>
-              <a:t>Garmin GPSMAP 66sr</a:t>
-            </a:r>
-          </a:p>
-          <a:p>
-            <a:r>
-              <a:rPr lang="en-US" dirty="0"/>
-              <a:t>$700 on amazon</a:t>
-            </a:r>
-          </a:p>
-        </p:txBody>
-      </p:sp>
-      <p:pic>
-        <p:nvPicPr>
-          <p:cNvPr id="5" name="Picture 4">
-            <a:extLst>
-              <a:ext uri="{FF2B5EF4-FFF2-40B4-BE49-F238E27FC236}">
-                <a16:creationId xmlns:a16="http://schemas.microsoft.com/office/drawing/2014/main" id="{6436A687-A827-E83F-9E5B-10E543FE7A42}"/>
-              </a:ext>
-            </a:extLst>
-          </p:cNvPr>
-          <p:cNvPicPr>
-            <a:picLocks noChangeAspect="1"/>
-          </p:cNvPicPr>
-          <p:nvPr/>
-        </p:nvPicPr>
-        <p:blipFill>
-          <a:blip r:embed="rId4" cstate="email">
-            <a:extLst>
-              <a:ext uri="{28A0092B-C50C-407E-A947-70E740481C1C}">
-                <a14:useLocalDpi xmlns:a14="http://schemas.microsoft.com/office/drawing/2010/main"/>
-              </a:ext>
-            </a:extLst>
-          </a:blip>
-          <a:stretch>
-            <a:fillRect/>
-          </a:stretch>
-        </p:blipFill>
-        <p:spPr>
-          <a:xfrm>
-            <a:off x="1112030" y="934108"/>
-            <a:ext cx="1102658" cy="2790727"/>
-          </a:xfrm>
-          <a:prstGeom prst="rect">
-            <a:avLst/>
-          </a:prstGeom>
-        </p:spPr>
-      </p:pic>
-      <p:sp>
-        <p:nvSpPr>
-          <p:cNvPr id="6" name="TextBox 5">
-            <a:extLst>
-              <a:ext uri="{FF2B5EF4-FFF2-40B4-BE49-F238E27FC236}">
-                <a16:creationId xmlns:a16="http://schemas.microsoft.com/office/drawing/2014/main" id="{EC0911E8-10B3-DE22-A27D-692ED4BAA95F}"/>
-              </a:ext>
-            </a:extLst>
-          </p:cNvPr>
-          <p:cNvSpPr txBox="1"/>
-          <p:nvPr/>
-        </p:nvSpPr>
-        <p:spPr>
-          <a:xfrm>
-            <a:off x="5318313" y="362634"/>
-            <a:ext cx="3018863" cy="923330"/>
-          </a:xfrm>
-          <a:prstGeom prst="rect">
-            <a:avLst/>
-          </a:prstGeom>
-          <a:noFill/>
-        </p:spPr>
-        <p:txBody>
-          <a:bodyPr wrap="square">
-            <a:spAutoFit/>
-          </a:bodyPr>
-          <a:lstStyle/>
-          <a:p>
-            <a:r>
-              <a:rPr lang="en-US" b="0" i="0" dirty="0">
-                <a:solidFill>
-                  <a:srgbClr val="131313"/>
-                </a:solidFill>
-                <a:effectLst/>
-                <a:latin typeface="Roboto" panose="02000000000000000000" pitchFamily="2" charset="0"/>
-              </a:rPr>
-              <a:t>GM SPIKE GNSS receiver</a:t>
-            </a:r>
-          </a:p>
-          <a:p>
-            <a:r>
-              <a:rPr lang="en-US" dirty="0">
-                <a:solidFill>
-                  <a:srgbClr val="131313"/>
-                </a:solidFill>
-                <a:latin typeface="Roboto" panose="02000000000000000000" pitchFamily="2" charset="0"/>
-              </a:rPr>
-              <a:t>(external, </a:t>
-            </a:r>
-            <a:r>
-              <a:rPr lang="en-US" dirty="0" err="1">
-                <a:solidFill>
-                  <a:srgbClr val="131313"/>
-                </a:solidFill>
-                <a:latin typeface="Roboto" panose="02000000000000000000" pitchFamily="2" charset="0"/>
-              </a:rPr>
-              <a:t>bluetooth</a:t>
-            </a:r>
-            <a:r>
-              <a:rPr lang="en-US" dirty="0">
-                <a:solidFill>
-                  <a:srgbClr val="131313"/>
-                </a:solidFill>
-                <a:latin typeface="Roboto" panose="02000000000000000000" pitchFamily="2" charset="0"/>
-              </a:rPr>
-              <a:t>, works with app on mobile phone)</a:t>
-            </a:r>
-            <a:endParaRPr lang="en-US" dirty="0"/>
-          </a:p>
-        </p:txBody>
-      </p:sp>
-      <p:pic>
-        <p:nvPicPr>
-          <p:cNvPr id="1026" name="Picture 2" descr="GNSS receiver GM Spike">
-            <a:extLst>
-              <a:ext uri="{FF2B5EF4-FFF2-40B4-BE49-F238E27FC236}">
-                <a16:creationId xmlns:a16="http://schemas.microsoft.com/office/drawing/2014/main" id="{77CDCDE3-C2DF-6382-E867-19C999351AE1}"/>
-              </a:ext>
-            </a:extLst>
-          </p:cNvPr>
-          <p:cNvPicPr>
-            <a:picLocks noChangeAspect="1" noChangeArrowheads="1"/>
-          </p:cNvPicPr>
-          <p:nvPr/>
-        </p:nvPicPr>
-        <p:blipFill>
-          <a:blip r:embed="rId5" cstate="email">
-            <a:extLst>
-              <a:ext uri="{28A0092B-C50C-407E-A947-70E740481C1C}">
-                <a14:useLocalDpi xmlns:a14="http://schemas.microsoft.com/office/drawing/2010/main"/>
-              </a:ext>
-            </a:extLst>
-          </a:blip>
-          <a:srcRect/>
-          <a:stretch>
-            <a:fillRect/>
-          </a:stretch>
-        </p:blipFill>
-        <p:spPr bwMode="auto">
-          <a:xfrm>
-            <a:off x="5459506" y="1313149"/>
-            <a:ext cx="2411686" cy="2411686"/>
-          </a:xfrm>
-          <a:prstGeom prst="rect">
-            <a:avLst/>
-          </a:prstGeom>
-          <a:noFill/>
-          <a:extLst>
-            <a:ext uri="{909E8E84-426E-40DD-AFC4-6F175D3DCCD1}">
-              <a14:hiddenFill xmlns:a14="http://schemas.microsoft.com/office/drawing/2010/main">
-                <a:solidFill>
-                  <a:srgbClr val="FFFFFF"/>
-                </a:solidFill>
-              </a14:hiddenFill>
-            </a:ext>
-          </a:extLst>
-        </p:spPr>
-      </p:pic>
-      <p:sp>
-        <p:nvSpPr>
-          <p:cNvPr id="7" name="TextBox 6">
-            <a:extLst>
-              <a:ext uri="{FF2B5EF4-FFF2-40B4-BE49-F238E27FC236}">
-                <a16:creationId xmlns:a16="http://schemas.microsoft.com/office/drawing/2014/main" id="{B34CD069-0E9F-9B7B-BDB1-6D42DDE8ACDB}"/>
-              </a:ext>
-            </a:extLst>
-          </p:cNvPr>
-          <p:cNvSpPr txBox="1"/>
-          <p:nvPr/>
-        </p:nvSpPr>
-        <p:spPr>
-          <a:xfrm>
-            <a:off x="5089715" y="4032758"/>
-            <a:ext cx="3247462" cy="400110"/>
-          </a:xfrm>
-          <a:prstGeom prst="rect">
-            <a:avLst/>
-          </a:prstGeom>
-          <a:noFill/>
-        </p:spPr>
-        <p:txBody>
-          <a:bodyPr wrap="square">
-            <a:spAutoFit/>
-          </a:bodyPr>
-          <a:lstStyle/>
-          <a:p>
-            <a:pPr marL="171450" indent="-171450">
-              <a:buFont typeface="Arial" panose="020B0604020202020204" pitchFamily="34" charset="0"/>
-              <a:buChar char="•"/>
-            </a:pPr>
-            <a:r>
-              <a:rPr lang="en-US" sz="1000" dirty="0"/>
-              <a:t>https://</a:t>
-            </a:r>
-            <a:r>
-              <a:rPr lang="en-US" sz="1000" dirty="0" err="1"/>
-              <a:t>www.youtube.com</a:t>
-            </a:r>
-            <a:r>
-              <a:rPr lang="en-US" sz="1000" dirty="0"/>
-              <a:t>/</a:t>
-            </a:r>
-            <a:r>
-              <a:rPr lang="en-US" sz="1000" dirty="0" err="1"/>
-              <a:t>watch?v</a:t>
-            </a:r>
-            <a:r>
-              <a:rPr lang="en-US" sz="1000" dirty="0"/>
-              <a:t>=O8uCuEDJ_1E </a:t>
-            </a:r>
-          </a:p>
-          <a:p>
-            <a:pPr marL="171450" indent="-171450">
-              <a:buFont typeface="Arial" panose="020B0604020202020204" pitchFamily="34" charset="0"/>
-              <a:buChar char="•"/>
-            </a:pPr>
-            <a:r>
-              <a:rPr lang="en-US" sz="1000" dirty="0"/>
-              <a:t>https://</a:t>
-            </a:r>
-            <a:r>
-              <a:rPr lang="en-US" sz="1000" dirty="0" err="1"/>
-              <a:t>gpsgeometer.com</a:t>
-            </a:r>
-            <a:r>
-              <a:rPr lang="en-US" sz="1000" dirty="0"/>
-              <a:t>/</a:t>
-            </a:r>
-            <a:r>
-              <a:rPr lang="en-US" sz="1000" dirty="0" err="1"/>
-              <a:t>en</a:t>
-            </a:r>
-            <a:r>
-              <a:rPr lang="en-US" sz="1000" dirty="0"/>
-              <a:t>/  </a:t>
-            </a:r>
-          </a:p>
-        </p:txBody>
-      </p:sp>
-    </p:spTree>
-    <p:extLst>
-      <p:ext uri="{BB962C8B-B14F-4D97-AF65-F5344CB8AC3E}">
-        <p14:creationId xmlns:p14="http://schemas.microsoft.com/office/powerpoint/2010/main" val="3180255899"/>
+        <p14:creationId xmlns:p14="http://schemas.microsoft.com/office/powerpoint/2010/main" val="1165596331"/>
       </p:ext>
     </p:extLst>
   </p:cSld>
@@ -5081,7 +4995,7 @@
         <p:spPr>
           <a:xfrm>
             <a:off x="-1" y="9719"/>
-            <a:ext cx="6096001" cy="523220"/>
+            <a:ext cx="6096001" cy="400110"/>
           </a:xfrm>
           <a:prstGeom prst="rect">
             <a:avLst/>
@@ -5096,33 +5010,15 @@
           <a:p>
             <a:pPr algn="l"/>
             <a:r>
-              <a:rPr lang="en-US" sz="2800" b="1" dirty="0">
+              <a:rPr lang="en-US" sz="2000" b="1" i="0" dirty="0">
                 <a:solidFill>
-                  <a:srgbClr val="000000"/>
-                </a:solidFill>
-                <a:latin typeface="Calibri" panose="020F0502020204030204" pitchFamily="34" charset="0"/>
-                <a:cs typeface="Calibri" panose="020F0502020204030204" pitchFamily="34" charset="0"/>
-              </a:rPr>
-              <a:t>T</a:t>
-            </a:r>
-            <a:r>
-              <a:rPr lang="en-US" sz="2800" b="1" i="0" u="none" strike="noStrike" dirty="0">
-                <a:solidFill>
-                  <a:srgbClr val="000000"/>
+                  <a:srgbClr val="0F0F0F"/>
                 </a:solidFill>
                 <a:effectLst/>
-                <a:latin typeface="Calibri" panose="020F0502020204030204" pitchFamily="34" charset="0"/>
-                <a:cs typeface="Calibri" panose="020F0502020204030204" pitchFamily="34" charset="0"/>
-              </a:rPr>
-              <a:t>heodolite</a:t>
-            </a:r>
-            <a:endParaRPr lang="en-US" sz="2800" b="1" i="0" dirty="0">
-              <a:solidFill>
-                <a:srgbClr val="0F0F0F"/>
-              </a:solidFill>
-              <a:effectLst/>
-              <a:latin typeface="Roboto" panose="02000000000000000000" pitchFamily="2" charset="0"/>
-            </a:endParaRPr>
+                <a:latin typeface="Roboto" panose="02000000000000000000" pitchFamily="2" charset="0"/>
+              </a:rPr>
+              <a:t>How to do survey of the area (map &amp; mark territory)</a:t>
+            </a:r>
           </a:p>
         </p:txBody>
       </p:sp>
@@ -5140,8 +5036,8 @@
         </p:nvSpPr>
         <p:spPr>
           <a:xfrm>
-            <a:off x="93115" y="679974"/>
-            <a:ext cx="6284910" cy="954107"/>
+            <a:off x="143219" y="554713"/>
+            <a:ext cx="6284910" cy="5693866"/>
           </a:xfrm>
           <a:prstGeom prst="rect">
             <a:avLst/>
@@ -5181,24 +5077,939 @@
                 <a:latin typeface="Calibri" panose="020F0502020204030204" pitchFamily="34" charset="0"/>
                 <a:cs typeface="Calibri" panose="020F0502020204030204" pitchFamily="34" charset="0"/>
               </a:rPr>
-              <a:t>A theodolite is a precision instrument used for measuring angles both horizontally and vertically. Theodolites can rotate along their horizontal axis as well as their vertical axis. Theodolites have a lot in common with transits. A transit is a surveying instrument that also takes accurate angular measurements.</a:t>
-            </a:r>
+              <a:t>Best GPS Instruments for Land Surveying</a:t>
+            </a:r>
+          </a:p>
+          <a:p>
+            <a:pPr rtl="0">
+              <a:spcBef>
+                <a:spcPts val="0"/>
+              </a:spcBef>
+              <a:spcAft>
+                <a:spcPts val="0"/>
+              </a:spcAft>
+            </a:pPr>
+            <a:r>
+              <a:rPr lang="en-US" sz="1400" dirty="0">
+                <a:solidFill>
+                  <a:srgbClr val="000000"/>
+                </a:solidFill>
+                <a:latin typeface="Calibri" panose="020F0502020204030204" pitchFamily="34" charset="0"/>
+                <a:cs typeface="Calibri" panose="020F0502020204030204" pitchFamily="34" charset="0"/>
+                <a:hlinkClick r:id="rId3"/>
+              </a:rPr>
+              <a:t>https://</a:t>
+            </a:r>
+            <a:r>
+              <a:rPr lang="en-US" sz="1400" dirty="0" err="1">
+                <a:solidFill>
+                  <a:srgbClr val="000000"/>
+                </a:solidFill>
+                <a:latin typeface="Calibri" panose="020F0502020204030204" pitchFamily="34" charset="0"/>
+                <a:cs typeface="Calibri" panose="020F0502020204030204" pitchFamily="34" charset="0"/>
+                <a:hlinkClick r:id="rId3"/>
+              </a:rPr>
+              <a:t>www.baselineequipment.com</a:t>
+            </a:r>
+            <a:r>
+              <a:rPr lang="en-US" sz="1400" dirty="0">
+                <a:solidFill>
+                  <a:srgbClr val="000000"/>
+                </a:solidFill>
+                <a:latin typeface="Calibri" panose="020F0502020204030204" pitchFamily="34" charset="0"/>
+                <a:cs typeface="Calibri" panose="020F0502020204030204" pitchFamily="34" charset="0"/>
+                <a:hlinkClick r:id="rId3"/>
+              </a:rPr>
+              <a:t>/</a:t>
+            </a:r>
+            <a:r>
+              <a:rPr lang="en-US" sz="1400" dirty="0" err="1">
+                <a:solidFill>
+                  <a:srgbClr val="000000"/>
+                </a:solidFill>
+                <a:latin typeface="Calibri" panose="020F0502020204030204" pitchFamily="34" charset="0"/>
+                <a:cs typeface="Calibri" panose="020F0502020204030204" pitchFamily="34" charset="0"/>
+                <a:hlinkClick r:id="rId3"/>
+              </a:rPr>
+              <a:t>gps</a:t>
+            </a:r>
+            <a:r>
+              <a:rPr lang="en-US" sz="1400" dirty="0">
+                <a:solidFill>
+                  <a:srgbClr val="000000"/>
+                </a:solidFill>
+                <a:latin typeface="Calibri" panose="020F0502020204030204" pitchFamily="34" charset="0"/>
+                <a:cs typeface="Calibri" panose="020F0502020204030204" pitchFamily="34" charset="0"/>
+                <a:hlinkClick r:id="rId3"/>
+              </a:rPr>
+              <a:t>-land-surveying-equipment</a:t>
+            </a:r>
+            <a:r>
+              <a:rPr lang="en-US" sz="1400" dirty="0">
+                <a:solidFill>
+                  <a:srgbClr val="000000"/>
+                </a:solidFill>
+                <a:latin typeface="Calibri" panose="020F0502020204030204" pitchFamily="34" charset="0"/>
+                <a:cs typeface="Calibri" panose="020F0502020204030204" pitchFamily="34" charset="0"/>
+              </a:rPr>
+              <a:t> </a:t>
+            </a:r>
+          </a:p>
+          <a:p>
+            <a:pPr rtl="0">
+              <a:spcBef>
+                <a:spcPts val="0"/>
+              </a:spcBef>
+              <a:spcAft>
+                <a:spcPts val="0"/>
+              </a:spcAft>
+            </a:pPr>
+            <a:r>
+              <a:rPr lang="en-US" sz="1400" b="1" i="0" u="none" strike="noStrike" dirty="0">
+                <a:solidFill>
+                  <a:srgbClr val="FF0000"/>
+                </a:solidFill>
+                <a:effectLst/>
+                <a:latin typeface="Calibri" panose="020F0502020204030204" pitchFamily="34" charset="0"/>
+                <a:cs typeface="Calibri" panose="020F0502020204030204" pitchFamily="34" charset="0"/>
+              </a:rPr>
+              <a:t>Static GPS Baseline </a:t>
+            </a:r>
+            <a:r>
+              <a:rPr lang="en-US" sz="1400" b="0" i="0" u="none" strike="noStrike" dirty="0">
+                <a:solidFill>
+                  <a:srgbClr val="000000"/>
+                </a:solidFill>
+                <a:effectLst/>
+                <a:latin typeface="Calibri" panose="020F0502020204030204" pitchFamily="34" charset="0"/>
+                <a:cs typeface="Calibri" panose="020F0502020204030204" pitchFamily="34" charset="0"/>
+              </a:rPr>
+              <a:t>– This method is used to determine the coordinates for survey points by simultaneously recording GPS observations over both a known and unknown survey point for at least 20 minutes. The data is then processed to determine coordinates within 5mm accuracy.</a:t>
+            </a:r>
+          </a:p>
+          <a:p>
+            <a:pPr rtl="0">
+              <a:spcBef>
+                <a:spcPts val="0"/>
+              </a:spcBef>
+              <a:spcAft>
+                <a:spcPts val="0"/>
+              </a:spcAft>
+            </a:pPr>
+            <a:endParaRPr lang="en-US" sz="1400" b="0" i="0" u="none" strike="noStrike" dirty="0">
+              <a:solidFill>
+                <a:srgbClr val="000000"/>
+              </a:solidFill>
+              <a:effectLst/>
+              <a:latin typeface="Calibri" panose="020F0502020204030204" pitchFamily="34" charset="0"/>
+              <a:cs typeface="Calibri" panose="020F0502020204030204" pitchFamily="34" charset="0"/>
+            </a:endParaRPr>
+          </a:p>
+          <a:p>
+            <a:pPr rtl="0">
+              <a:spcBef>
+                <a:spcPts val="0"/>
+              </a:spcBef>
+              <a:spcAft>
+                <a:spcPts val="0"/>
+              </a:spcAft>
+            </a:pPr>
+            <a:r>
+              <a:rPr lang="en-US" sz="1400" b="1" i="0" u="none" strike="noStrike" dirty="0">
+                <a:solidFill>
+                  <a:srgbClr val="FF0000"/>
+                </a:solidFill>
+                <a:effectLst/>
+                <a:latin typeface="Calibri" panose="020F0502020204030204" pitchFamily="34" charset="0"/>
+                <a:cs typeface="Calibri" panose="020F0502020204030204" pitchFamily="34" charset="0"/>
+              </a:rPr>
+              <a:t>Real-Time Kinematic (RTK) Observations </a:t>
+            </a:r>
+            <a:r>
+              <a:rPr lang="en-US" sz="1400" b="0" i="0" u="none" strike="noStrike" dirty="0">
+                <a:solidFill>
+                  <a:srgbClr val="000000"/>
+                </a:solidFill>
+                <a:effectLst/>
+                <a:latin typeface="Calibri" panose="020F0502020204030204" pitchFamily="34" charset="0"/>
+                <a:cs typeface="Calibri" panose="020F0502020204030204" pitchFamily="34" charset="0"/>
+              </a:rPr>
+              <a:t>– In this method, one receiver remains open over a known point (the Base Station) while another receiver moves between different positions (the Rover Station). Using a radio link, the position of the Rover Station can be calculated within a few seconds, ensuring a similar level of accuracy to baseline measurements as long as they are within 10km of the Base Station.</a:t>
+            </a:r>
+          </a:p>
+          <a:p>
+            <a:pPr rtl="0">
+              <a:spcBef>
+                <a:spcPts val="0"/>
+              </a:spcBef>
+              <a:spcAft>
+                <a:spcPts val="0"/>
+              </a:spcAft>
+            </a:pPr>
+            <a:endParaRPr lang="en-US" sz="1400" b="0" i="0" u="none" strike="noStrike" dirty="0">
+              <a:solidFill>
+                <a:srgbClr val="000000"/>
+              </a:solidFill>
+              <a:effectLst/>
+              <a:latin typeface="Calibri" panose="020F0502020204030204" pitchFamily="34" charset="0"/>
+              <a:cs typeface="Calibri" panose="020F0502020204030204" pitchFamily="34" charset="0"/>
+            </a:endParaRPr>
+          </a:p>
+          <a:p>
+            <a:pPr rtl="0">
+              <a:spcBef>
+                <a:spcPts val="0"/>
+              </a:spcBef>
+              <a:spcAft>
+                <a:spcPts val="0"/>
+              </a:spcAft>
+            </a:pPr>
+            <a:r>
+              <a:rPr lang="en-US" sz="1400" b="1" i="0" u="none" strike="noStrike" dirty="0">
+                <a:solidFill>
+                  <a:srgbClr val="FF0000"/>
+                </a:solidFill>
+                <a:effectLst/>
+                <a:latin typeface="Calibri" panose="020F0502020204030204" pitchFamily="34" charset="0"/>
+                <a:cs typeface="Calibri" panose="020F0502020204030204" pitchFamily="34" charset="0"/>
+              </a:rPr>
+              <a:t>Continuously Operating Reference Stations (CORS) </a:t>
+            </a:r>
+            <a:r>
+              <a:rPr lang="en-US" sz="1400" b="0" i="0" u="none" strike="noStrike" dirty="0">
+                <a:solidFill>
+                  <a:srgbClr val="000000"/>
+                </a:solidFill>
+                <a:effectLst/>
+                <a:latin typeface="Calibri" panose="020F0502020204030204" pitchFamily="34" charset="0"/>
+                <a:cs typeface="Calibri" panose="020F0502020204030204" pitchFamily="34" charset="0"/>
+              </a:rPr>
+              <a:t>– In this system, a survey grade GPS receiver is permanently installed in a particular location as a starting point for any GPS measurements in the area. GPS survey equipment can collect field data and combine it with CORS data to accurately calculate positions.</a:t>
+            </a:r>
+          </a:p>
+          <a:p>
+            <a:pPr rtl="0">
+              <a:spcBef>
+                <a:spcPts val="0"/>
+              </a:spcBef>
+              <a:spcAft>
+                <a:spcPts val="0"/>
+              </a:spcAft>
+            </a:pPr>
             <a:endParaRPr lang="en-US" sz="1400" dirty="0">
               <a:solidFill>
-                <a:srgbClr val="0F0F0F"/>
+                <a:srgbClr val="000000"/>
               </a:solidFill>
               <a:latin typeface="Calibri" panose="020F0502020204030204" pitchFamily="34" charset="0"/>
               <a:cs typeface="Calibri" panose="020F0502020204030204" pitchFamily="34" charset="0"/>
             </a:endParaRPr>
           </a:p>
+          <a:p>
+            <a:pPr rtl="0">
+              <a:spcBef>
+                <a:spcPts val="0"/>
+              </a:spcBef>
+              <a:spcAft>
+                <a:spcPts val="0"/>
+              </a:spcAft>
+            </a:pPr>
+            <a:r>
+              <a:rPr lang="en-US" sz="1400" dirty="0">
+                <a:solidFill>
+                  <a:srgbClr val="000000"/>
+                </a:solidFill>
+                <a:latin typeface="Calibri" panose="020F0502020204030204" pitchFamily="34" charset="0"/>
+                <a:cs typeface="Calibri" panose="020F0502020204030204" pitchFamily="34" charset="0"/>
+              </a:rPr>
+              <a:t>A GPS receiver ranges from $4,000 to over $10,000, and the software itself costs upwards of $400. Additional equipment such as rover rods, poles, and tripods may increase the overall cost.</a:t>
+            </a:r>
+          </a:p>
+          <a:p>
+            <a:pPr rtl="0">
+              <a:spcBef>
+                <a:spcPts val="0"/>
+              </a:spcBef>
+              <a:spcAft>
+                <a:spcPts val="0"/>
+              </a:spcAft>
+            </a:pPr>
+            <a:endParaRPr lang="en-US" sz="1400" dirty="0">
+              <a:solidFill>
+                <a:srgbClr val="000000"/>
+              </a:solidFill>
+              <a:latin typeface="Calibri" panose="020F0502020204030204" pitchFamily="34" charset="0"/>
+              <a:cs typeface="Calibri" panose="020F0502020204030204" pitchFamily="34" charset="0"/>
+            </a:endParaRPr>
+          </a:p>
+          <a:p>
+            <a:pPr rtl="0">
+              <a:spcBef>
+                <a:spcPts val="0"/>
+              </a:spcBef>
+              <a:spcAft>
+                <a:spcPts val="0"/>
+              </a:spcAft>
+            </a:pPr>
+            <a:r>
+              <a:rPr lang="en-US" sz="1400" b="0" i="0" u="none" strike="noStrike" dirty="0">
+                <a:solidFill>
+                  <a:srgbClr val="000000"/>
+                </a:solidFill>
+                <a:effectLst/>
+                <a:latin typeface="Calibri" panose="020F0502020204030204" pitchFamily="34" charset="0"/>
+                <a:cs typeface="Calibri" panose="020F0502020204030204" pitchFamily="34" charset="0"/>
+              </a:rPr>
+              <a:t>How to use GPS on your phone to land survey an area?</a:t>
+            </a:r>
+            <a:endParaRPr lang="en-US" sz="1400" b="0" dirty="0">
+              <a:effectLst/>
+              <a:latin typeface="Calibri" panose="020F0502020204030204" pitchFamily="34" charset="0"/>
+              <a:cs typeface="Calibri" panose="020F0502020204030204" pitchFamily="34" charset="0"/>
+            </a:endParaRPr>
+          </a:p>
+          <a:p>
+            <a:pPr rtl="0">
+              <a:spcBef>
+                <a:spcPts val="0"/>
+              </a:spcBef>
+              <a:spcAft>
+                <a:spcPts val="0"/>
+              </a:spcAft>
+            </a:pPr>
+            <a:r>
+              <a:rPr lang="en-US" sz="1400" b="0" i="0" u="none" strike="noStrike" dirty="0">
+                <a:solidFill>
+                  <a:srgbClr val="000000"/>
+                </a:solidFill>
+                <a:effectLst/>
+                <a:latin typeface="Calibri" panose="020F0502020204030204" pitchFamily="34" charset="0"/>
+                <a:cs typeface="Calibri" panose="020F0502020204030204" pitchFamily="34" charset="0"/>
+              </a:rPr>
+              <a:t>.. </a:t>
+            </a:r>
+            <a:r>
+              <a:rPr lang="en-US" sz="1400" b="0" i="0" u="sng" strike="noStrike" dirty="0">
+                <a:solidFill>
+                  <a:srgbClr val="000000"/>
+                </a:solidFill>
+                <a:effectLst/>
+                <a:latin typeface="Calibri" panose="020F0502020204030204" pitchFamily="34" charset="0"/>
+                <a:cs typeface="Calibri" panose="020F0502020204030204" pitchFamily="34" charset="0"/>
+                <a:hlinkClick r:id="rId4"/>
+              </a:rPr>
+              <a:t>https://www.youtube.com/watch?v=aA5v17Gh4Fo</a:t>
+            </a:r>
+            <a:r>
+              <a:rPr lang="en-US" sz="1400" b="0" i="0" u="none" strike="noStrike" dirty="0">
+                <a:solidFill>
+                  <a:srgbClr val="000000"/>
+                </a:solidFill>
+                <a:effectLst/>
+                <a:latin typeface="Calibri" panose="020F0502020204030204" pitchFamily="34" charset="0"/>
+                <a:cs typeface="Calibri" panose="020F0502020204030204" pitchFamily="34" charset="0"/>
+              </a:rPr>
+              <a:t> </a:t>
+            </a:r>
+            <a:br>
+              <a:rPr lang="en-US" sz="1400" b="0" dirty="0">
+                <a:effectLst/>
+                <a:latin typeface="Calibri" panose="020F0502020204030204" pitchFamily="34" charset="0"/>
+                <a:cs typeface="Calibri" panose="020F0502020204030204" pitchFamily="34" charset="0"/>
+              </a:rPr>
+            </a:br>
+            <a:r>
+              <a:rPr lang="en-US" sz="1400" b="0" i="0" u="none" strike="noStrike" dirty="0">
+                <a:solidFill>
+                  <a:srgbClr val="000000"/>
+                </a:solidFill>
+                <a:effectLst/>
+                <a:latin typeface="Calibri" panose="020F0502020204030204" pitchFamily="34" charset="0"/>
+                <a:cs typeface="Calibri" panose="020F0502020204030204" pitchFamily="34" charset="0"/>
+              </a:rPr>
+              <a:t>Use an app "Land Survey"</a:t>
+            </a:r>
+            <a:br>
+              <a:rPr lang="en-US" sz="1400" b="0" dirty="0">
+                <a:effectLst/>
+                <a:latin typeface="Calibri" panose="020F0502020204030204" pitchFamily="34" charset="0"/>
+                <a:cs typeface="Calibri" panose="020F0502020204030204" pitchFamily="34" charset="0"/>
+              </a:rPr>
+            </a:br>
+            <a:r>
+              <a:rPr lang="en-US" sz="1400" b="0" i="0" u="none" strike="noStrike" dirty="0">
+                <a:solidFill>
+                  <a:srgbClr val="000000"/>
+                </a:solidFill>
+                <a:effectLst/>
+                <a:latin typeface="Calibri" panose="020F0502020204030204" pitchFamily="34" charset="0"/>
+                <a:cs typeface="Calibri" panose="020F0502020204030204" pitchFamily="34" charset="0"/>
+              </a:rPr>
+              <a:t>Also "</a:t>
+            </a:r>
+            <a:r>
+              <a:rPr lang="en-US" sz="1400" b="0" i="0" u="none" strike="noStrike" dirty="0" err="1">
+                <a:solidFill>
+                  <a:srgbClr val="000000"/>
+                </a:solidFill>
+                <a:effectLst/>
+                <a:latin typeface="Calibri" panose="020F0502020204030204" pitchFamily="34" charset="0"/>
+                <a:cs typeface="Calibri" panose="020F0502020204030204" pitchFamily="34" charset="0"/>
+              </a:rPr>
+              <a:t>AllTrails</a:t>
+            </a:r>
+            <a:r>
+              <a:rPr lang="en-US" sz="1400" b="0" i="0" u="none" strike="noStrike" dirty="0">
+                <a:solidFill>
+                  <a:srgbClr val="000000"/>
+                </a:solidFill>
+                <a:effectLst/>
+                <a:latin typeface="Calibri" panose="020F0502020204030204" pitchFamily="34" charset="0"/>
+                <a:cs typeface="Calibri" panose="020F0502020204030204" pitchFamily="34" charset="0"/>
+              </a:rPr>
+              <a:t>" app shows GPS coordinates</a:t>
+            </a:r>
+            <a:endParaRPr lang="en-US" sz="1400" b="0" dirty="0">
+              <a:effectLst/>
+              <a:latin typeface="Calibri" panose="020F0502020204030204" pitchFamily="34" charset="0"/>
+              <a:cs typeface="Calibri" panose="020F0502020204030204" pitchFamily="34" charset="0"/>
+            </a:endParaRPr>
+          </a:p>
+        </p:txBody>
+      </p:sp>
+      <p:sp>
+        <p:nvSpPr>
+          <p:cNvPr id="3" name="TextBox 2">
+            <a:extLst>
+              <a:ext uri="{FF2B5EF4-FFF2-40B4-BE49-F238E27FC236}">
+                <a16:creationId xmlns:a16="http://schemas.microsoft.com/office/drawing/2014/main" id="{81B03797-18C7-020D-E90F-374F3ED4D202}"/>
+              </a:ext>
+            </a:extLst>
+          </p:cNvPr>
+          <p:cNvSpPr txBox="1"/>
+          <p:nvPr/>
+        </p:nvSpPr>
+        <p:spPr>
+          <a:xfrm>
+            <a:off x="7227518" y="329244"/>
+            <a:ext cx="4937532" cy="738664"/>
+          </a:xfrm>
+          <a:prstGeom prst="rect">
+            <a:avLst/>
+          </a:prstGeom>
+          <a:solidFill>
+            <a:schemeClr val="accent4">
+              <a:lumMod val="20000"/>
+              <a:lumOff val="80000"/>
+            </a:schemeClr>
+          </a:solidFill>
+          <a:ln>
+            <a:solidFill>
+              <a:srgbClr val="FF0000"/>
+            </a:solidFill>
+          </a:ln>
+        </p:spPr>
+        <p:txBody>
+          <a:bodyPr wrap="square" rtlCol="0">
+            <a:spAutoFit/>
+          </a:bodyPr>
+          <a:lstStyle/>
+          <a:p>
+            <a:pPr rtl="0">
+              <a:spcBef>
+                <a:spcPts val="0"/>
+              </a:spcBef>
+              <a:spcAft>
+                <a:spcPts val="0"/>
+              </a:spcAft>
+            </a:pPr>
+            <a:r>
+              <a:rPr lang="en-US" sz="1400" b="0" dirty="0">
+                <a:effectLst/>
+                <a:latin typeface="Calibri" panose="020F0502020204030204" pitchFamily="34" charset="0"/>
+                <a:cs typeface="Calibri" panose="020F0502020204030204" pitchFamily="34" charset="0"/>
+              </a:rPr>
+              <a:t>STONEX S900+ GNSS Receiver (2..5 cm accuracy)</a:t>
+            </a:r>
+          </a:p>
+          <a:p>
+            <a:pPr rtl="0">
+              <a:spcBef>
+                <a:spcPts val="0"/>
+              </a:spcBef>
+              <a:spcAft>
+                <a:spcPts val="0"/>
+              </a:spcAft>
+            </a:pPr>
+            <a:r>
+              <a:rPr lang="en-US" sz="1400" dirty="0">
+                <a:latin typeface="Calibri" panose="020F0502020204030204" pitchFamily="34" charset="0"/>
+                <a:cs typeface="Calibri" panose="020F0502020204030204" pitchFamily="34" charset="0"/>
+              </a:rPr>
+              <a:t>$7,600 .. $10,300</a:t>
+            </a:r>
+            <a:endParaRPr lang="en-US" sz="1400" b="0" dirty="0">
+              <a:effectLst/>
+              <a:latin typeface="Calibri" panose="020F0502020204030204" pitchFamily="34" charset="0"/>
+              <a:cs typeface="Calibri" panose="020F0502020204030204" pitchFamily="34" charset="0"/>
+            </a:endParaRPr>
+          </a:p>
+          <a:p>
+            <a:pPr rtl="0">
+              <a:spcBef>
+                <a:spcPts val="0"/>
+              </a:spcBef>
+              <a:spcAft>
+                <a:spcPts val="0"/>
+              </a:spcAft>
+            </a:pPr>
+            <a:r>
+              <a:rPr lang="en-US" sz="1400" b="0" dirty="0">
+                <a:effectLst/>
+                <a:latin typeface="Calibri" panose="020F0502020204030204" pitchFamily="34" charset="0"/>
+                <a:cs typeface="Calibri" panose="020F0502020204030204" pitchFamily="34" charset="0"/>
+                <a:hlinkClick r:id="rId5"/>
+              </a:rPr>
+              <a:t>https://</a:t>
+            </a:r>
+            <a:r>
+              <a:rPr lang="en-US" sz="1400" b="0" dirty="0" err="1">
+                <a:effectLst/>
+                <a:latin typeface="Calibri" panose="020F0502020204030204" pitchFamily="34" charset="0"/>
+                <a:cs typeface="Calibri" panose="020F0502020204030204" pitchFamily="34" charset="0"/>
+                <a:hlinkClick r:id="rId5"/>
+              </a:rPr>
+              <a:t>www.baselineequipment.com</a:t>
+            </a:r>
+            <a:r>
+              <a:rPr lang="en-US" sz="1400" b="0" dirty="0">
+                <a:effectLst/>
+                <a:latin typeface="Calibri" panose="020F0502020204030204" pitchFamily="34" charset="0"/>
+                <a:cs typeface="Calibri" panose="020F0502020204030204" pitchFamily="34" charset="0"/>
+                <a:hlinkClick r:id="rId5"/>
+              </a:rPr>
+              <a:t>/stonex-s900-gnss-receiver</a:t>
+            </a:r>
+            <a:r>
+              <a:rPr lang="en-US" sz="1400" dirty="0">
+                <a:latin typeface="Calibri" panose="020F0502020204030204" pitchFamily="34" charset="0"/>
+                <a:cs typeface="Calibri" panose="020F0502020204030204" pitchFamily="34" charset="0"/>
+                <a:hlinkClick r:id="rId5"/>
+              </a:rPr>
+              <a:t> </a:t>
+            </a:r>
+            <a:endParaRPr lang="en-US" sz="1400" b="0" dirty="0">
+              <a:effectLst/>
+              <a:latin typeface="Calibri" panose="020F0502020204030204" pitchFamily="34" charset="0"/>
+              <a:cs typeface="Calibri" panose="020F0502020204030204" pitchFamily="34" charset="0"/>
+            </a:endParaRPr>
+          </a:p>
         </p:txBody>
       </p:sp>
       <p:pic>
         <p:nvPicPr>
-          <p:cNvPr id="1026" name="Picture 2" descr="Theodolite | Angle Measurement ...">
-            <a:extLst>
-              <a:ext uri="{FF2B5EF4-FFF2-40B4-BE49-F238E27FC236}">
-                <a16:creationId xmlns:a16="http://schemas.microsoft.com/office/drawing/2014/main" id="{933C2584-47B9-4BD3-2D3F-28685E324F9C}"/>
+          <p:cNvPr id="5" name="Picture 4">
+            <a:extLst>
+              <a:ext uri="{FF2B5EF4-FFF2-40B4-BE49-F238E27FC236}">
+                <a16:creationId xmlns:a16="http://schemas.microsoft.com/office/drawing/2014/main" id="{5B0D1D91-FCD3-5177-244A-116993BBEB07}"/>
+              </a:ext>
+            </a:extLst>
+          </p:cNvPr>
+          <p:cNvPicPr>
+            <a:picLocks noChangeAspect="1"/>
+          </p:cNvPicPr>
+          <p:nvPr/>
+        </p:nvPicPr>
+        <p:blipFill>
+          <a:blip r:embed="rId6" cstate="email">
+            <a:extLst>
+              <a:ext uri="{28A0092B-C50C-407E-A947-70E740481C1C}">
+                <a14:useLocalDpi xmlns:a14="http://schemas.microsoft.com/office/drawing/2010/main"/>
+              </a:ext>
+            </a:extLst>
+          </a:blip>
+          <a:stretch>
+            <a:fillRect/>
+          </a:stretch>
+        </p:blipFill>
+        <p:spPr>
+          <a:xfrm>
+            <a:off x="6914984" y="1223723"/>
+            <a:ext cx="2781300" cy="1930400"/>
+          </a:xfrm>
+          <a:prstGeom prst="rect">
+            <a:avLst/>
+          </a:prstGeom>
+        </p:spPr>
+      </p:pic>
+      <p:sp>
+        <p:nvSpPr>
+          <p:cNvPr id="6" name="TextBox 5">
+            <a:extLst>
+              <a:ext uri="{FF2B5EF4-FFF2-40B4-BE49-F238E27FC236}">
+                <a16:creationId xmlns:a16="http://schemas.microsoft.com/office/drawing/2014/main" id="{A06C7B96-8A02-57C3-48CF-EEA628106888}"/>
+              </a:ext>
+            </a:extLst>
+          </p:cNvPr>
+          <p:cNvSpPr txBox="1"/>
+          <p:nvPr/>
+        </p:nvSpPr>
+        <p:spPr>
+          <a:xfrm>
+            <a:off x="7111249" y="3986845"/>
+            <a:ext cx="4937532" cy="1815882"/>
+          </a:xfrm>
+          <a:prstGeom prst="rect">
+            <a:avLst/>
+          </a:prstGeom>
+          <a:solidFill>
+            <a:schemeClr val="accent4">
+              <a:lumMod val="20000"/>
+              <a:lumOff val="80000"/>
+            </a:schemeClr>
+          </a:solidFill>
+          <a:ln>
+            <a:solidFill>
+              <a:srgbClr val="FF0000"/>
+            </a:solidFill>
+          </a:ln>
+        </p:spPr>
+        <p:txBody>
+          <a:bodyPr wrap="square" rtlCol="0">
+            <a:spAutoFit/>
+          </a:bodyPr>
+          <a:lstStyle/>
+          <a:p>
+            <a:pPr rtl="0">
+              <a:spcBef>
+                <a:spcPts val="0"/>
+              </a:spcBef>
+              <a:spcAft>
+                <a:spcPts val="0"/>
+              </a:spcAft>
+            </a:pPr>
+            <a:r>
+              <a:rPr lang="en-US" sz="1400" b="0" dirty="0">
+                <a:effectLst/>
+                <a:latin typeface="Calibri" panose="020F0502020204030204" pitchFamily="34" charset="0"/>
+                <a:cs typeface="Calibri" panose="020F0502020204030204" pitchFamily="34" charset="0"/>
+              </a:rPr>
+              <a:t>GNSS (Global Navigation Satellite Systems) are used by land surveyors for geodetic control networks and photogrammetric control. </a:t>
+            </a:r>
+          </a:p>
+          <a:p>
+            <a:pPr rtl="0">
+              <a:spcBef>
+                <a:spcPts val="0"/>
+              </a:spcBef>
+              <a:spcAft>
+                <a:spcPts val="0"/>
+              </a:spcAft>
+            </a:pPr>
+            <a:r>
+              <a:rPr lang="en-US" sz="1400" dirty="0">
+                <a:latin typeface="Calibri" panose="020F0502020204030204" pitchFamily="34" charset="0"/>
+                <a:cs typeface="Calibri" panose="020F0502020204030204" pitchFamily="34" charset="0"/>
+              </a:rPr>
+              <a:t>A</a:t>
+            </a:r>
+            <a:r>
+              <a:rPr lang="en-US" sz="1400" b="0" dirty="0">
+                <a:effectLst/>
+                <a:latin typeface="Calibri" panose="020F0502020204030204" pitchFamily="34" charset="0"/>
+                <a:cs typeface="Calibri" panose="020F0502020204030204" pitchFamily="34" charset="0"/>
+              </a:rPr>
+              <a:t> GNSS receiver uses code measurement and/or carrier phase measurement on the GNSS signal to determine the distance between receivers and satellites. </a:t>
+            </a:r>
+          </a:p>
+          <a:p>
+            <a:pPr rtl="0">
+              <a:spcBef>
+                <a:spcPts val="0"/>
+              </a:spcBef>
+              <a:spcAft>
+                <a:spcPts val="0"/>
+              </a:spcAft>
+            </a:pPr>
+            <a:r>
+              <a:rPr lang="en-US" sz="1400" b="0" dirty="0">
+                <a:effectLst/>
+                <a:latin typeface="Calibri" panose="020F0502020204030204" pitchFamily="34" charset="0"/>
+                <a:cs typeface="Calibri" panose="020F0502020204030204" pitchFamily="34" charset="0"/>
+              </a:rPr>
+              <a:t>The receiver then calculates its position based on the distances to at least four satellites.</a:t>
+            </a:r>
+          </a:p>
+        </p:txBody>
+      </p:sp>
+    </p:spTree>
+    <p:extLst>
+      <p:ext uri="{BB962C8B-B14F-4D97-AF65-F5344CB8AC3E}">
+        <p14:creationId xmlns:p14="http://schemas.microsoft.com/office/powerpoint/2010/main" val="1053730920"/>
+      </p:ext>
+    </p:extLst>
+  </p:cSld>
+  <p:clrMapOvr>
+    <a:masterClrMapping/>
+  </p:clrMapOvr>
+</p:sld>
+</file>
+
+<file path=ppt/slides/slide4.xml><?xml version="1.0" encoding="utf-8"?>
+<p:sld xmlns:a="http://schemas.openxmlformats.org/drawingml/2006/main" xmlns:r="http://schemas.openxmlformats.org/officeDocument/2006/relationships" xmlns:p="http://schemas.openxmlformats.org/presentationml/2006/main">
+  <p:cSld>
+    <p:spTree>
+      <p:nvGrpSpPr>
+        <p:cNvPr id="1" name=""/>
+        <p:cNvGrpSpPr/>
+        <p:nvPr/>
+      </p:nvGrpSpPr>
+      <p:grpSpPr>
+        <a:xfrm>
+          <a:off x="0" y="0"/>
+          <a:ext cx="0" cy="0"/>
+          <a:chOff x="0" y="0"/>
+          <a:chExt cx="0" cy="0"/>
+        </a:xfrm>
+      </p:grpSpPr>
+      <p:sp>
+        <p:nvSpPr>
+          <p:cNvPr id="3" name="TextBox 2">
+            <a:extLst>
+              <a:ext uri="{FF2B5EF4-FFF2-40B4-BE49-F238E27FC236}">
+                <a16:creationId xmlns:a16="http://schemas.microsoft.com/office/drawing/2014/main" id="{A940E9D8-4658-A5E7-D326-FB98C80E47BC}"/>
+              </a:ext>
+            </a:extLst>
+          </p:cNvPr>
+          <p:cNvSpPr txBox="1"/>
+          <p:nvPr/>
+        </p:nvSpPr>
+        <p:spPr>
+          <a:xfrm>
+            <a:off x="316008" y="3952075"/>
+            <a:ext cx="4161863" cy="400110"/>
+          </a:xfrm>
+          <a:prstGeom prst="rect">
+            <a:avLst/>
+          </a:prstGeom>
+          <a:noFill/>
+        </p:spPr>
+        <p:txBody>
+          <a:bodyPr wrap="square">
+            <a:spAutoFit/>
+          </a:bodyPr>
+          <a:lstStyle/>
+          <a:p>
+            <a:pPr marL="171450" indent="-171450">
+              <a:buFont typeface="Arial" panose="020B0604020202020204" pitchFamily="34" charset="0"/>
+              <a:buChar char="•"/>
+            </a:pPr>
+            <a:r>
+              <a:rPr lang="en-US" sz="1000" dirty="0">
+                <a:hlinkClick r:id="rId2"/>
+              </a:rPr>
+              <a:t>https://hikingguy.com/hiking-gear/garmin-gpsmap-66sr-review-test/</a:t>
+            </a:r>
+            <a:r>
+              <a:rPr lang="en-US" sz="1000" dirty="0"/>
+              <a:t>  </a:t>
+            </a:r>
+          </a:p>
+          <a:p>
+            <a:pPr marL="171450" indent="-171450">
+              <a:buFont typeface="Arial" panose="020B0604020202020204" pitchFamily="34" charset="0"/>
+              <a:buChar char="•"/>
+            </a:pPr>
+            <a:r>
+              <a:rPr lang="en-US" sz="1000" dirty="0">
+                <a:hlinkClick r:id="rId3"/>
+              </a:rPr>
+              <a:t>https://</a:t>
+            </a:r>
+            <a:r>
+              <a:rPr lang="en-US" sz="1000" dirty="0" err="1">
+                <a:hlinkClick r:id="rId3"/>
+              </a:rPr>
+              <a:t>www.amazon.com</a:t>
+            </a:r>
+            <a:r>
+              <a:rPr lang="en-US" sz="1000" dirty="0">
+                <a:hlinkClick r:id="rId3"/>
+              </a:rPr>
+              <a:t>/</a:t>
+            </a:r>
+            <a:r>
+              <a:rPr lang="en-US" sz="1000" dirty="0" err="1">
+                <a:hlinkClick r:id="rId3"/>
+              </a:rPr>
+              <a:t>dp</a:t>
+            </a:r>
+            <a:r>
+              <a:rPr lang="en-US" sz="1000" dirty="0">
+                <a:hlinkClick r:id="rId3"/>
+              </a:rPr>
+              <a:t>/B08HR5JZCY</a:t>
+            </a:r>
+            <a:r>
+              <a:rPr lang="en-US" sz="1000" dirty="0"/>
+              <a:t> </a:t>
+            </a:r>
+          </a:p>
+        </p:txBody>
+      </p:sp>
+      <p:sp>
+        <p:nvSpPr>
+          <p:cNvPr id="4" name="TextBox 3">
+            <a:extLst>
+              <a:ext uri="{FF2B5EF4-FFF2-40B4-BE49-F238E27FC236}">
+                <a16:creationId xmlns:a16="http://schemas.microsoft.com/office/drawing/2014/main" id="{7BEE8153-DD0A-58E0-C7D8-9CA2E424E664}"/>
+              </a:ext>
+            </a:extLst>
+          </p:cNvPr>
+          <p:cNvSpPr txBox="1"/>
+          <p:nvPr/>
+        </p:nvSpPr>
+        <p:spPr>
+          <a:xfrm>
+            <a:off x="477372" y="241611"/>
+            <a:ext cx="2571749" cy="646331"/>
+          </a:xfrm>
+          <a:prstGeom prst="rect">
+            <a:avLst/>
+          </a:prstGeom>
+          <a:noFill/>
+        </p:spPr>
+        <p:txBody>
+          <a:bodyPr wrap="square">
+            <a:spAutoFit/>
+          </a:bodyPr>
+          <a:lstStyle/>
+          <a:p>
+            <a:r>
+              <a:rPr lang="en-US" dirty="0"/>
+              <a:t>Garmin GPSMAP 66sr</a:t>
+            </a:r>
+          </a:p>
+          <a:p>
+            <a:r>
+              <a:rPr lang="en-US" dirty="0"/>
+              <a:t>$700 on amazon</a:t>
+            </a:r>
+          </a:p>
+        </p:txBody>
+      </p:sp>
+      <p:pic>
+        <p:nvPicPr>
+          <p:cNvPr id="5" name="Picture 4">
+            <a:extLst>
+              <a:ext uri="{FF2B5EF4-FFF2-40B4-BE49-F238E27FC236}">
+                <a16:creationId xmlns:a16="http://schemas.microsoft.com/office/drawing/2014/main" id="{6436A687-A827-E83F-9E5B-10E543FE7A42}"/>
+              </a:ext>
+            </a:extLst>
+          </p:cNvPr>
+          <p:cNvPicPr>
+            <a:picLocks noChangeAspect="1"/>
+          </p:cNvPicPr>
+          <p:nvPr/>
+        </p:nvPicPr>
+        <p:blipFill>
+          <a:blip r:embed="rId4" cstate="email">
+            <a:extLst>
+              <a:ext uri="{28A0092B-C50C-407E-A947-70E740481C1C}">
+                <a14:useLocalDpi xmlns:a14="http://schemas.microsoft.com/office/drawing/2010/main"/>
+              </a:ext>
+            </a:extLst>
+          </a:blip>
+          <a:stretch>
+            <a:fillRect/>
+          </a:stretch>
+        </p:blipFill>
+        <p:spPr>
+          <a:xfrm>
+            <a:off x="1112030" y="934108"/>
+            <a:ext cx="1102658" cy="2790727"/>
+          </a:xfrm>
+          <a:prstGeom prst="rect">
+            <a:avLst/>
+          </a:prstGeom>
+        </p:spPr>
+      </p:pic>
+      <p:sp>
+        <p:nvSpPr>
+          <p:cNvPr id="6" name="TextBox 5">
+            <a:extLst>
+              <a:ext uri="{FF2B5EF4-FFF2-40B4-BE49-F238E27FC236}">
+                <a16:creationId xmlns:a16="http://schemas.microsoft.com/office/drawing/2014/main" id="{EC0911E8-10B3-DE22-A27D-692ED4BAA95F}"/>
+              </a:ext>
+            </a:extLst>
+          </p:cNvPr>
+          <p:cNvSpPr txBox="1"/>
+          <p:nvPr/>
+        </p:nvSpPr>
+        <p:spPr>
+          <a:xfrm>
+            <a:off x="5318313" y="362634"/>
+            <a:ext cx="3018863" cy="923330"/>
+          </a:xfrm>
+          <a:prstGeom prst="rect">
+            <a:avLst/>
+          </a:prstGeom>
+          <a:noFill/>
+        </p:spPr>
+        <p:txBody>
+          <a:bodyPr wrap="square">
+            <a:spAutoFit/>
+          </a:bodyPr>
+          <a:lstStyle/>
+          <a:p>
+            <a:r>
+              <a:rPr lang="en-US" b="0" i="0" dirty="0">
+                <a:solidFill>
+                  <a:srgbClr val="131313"/>
+                </a:solidFill>
+                <a:effectLst/>
+                <a:latin typeface="Roboto" panose="02000000000000000000" pitchFamily="2" charset="0"/>
+              </a:rPr>
+              <a:t>GM SPIKE GNSS receiver</a:t>
+            </a:r>
+          </a:p>
+          <a:p>
+            <a:r>
+              <a:rPr lang="en-US" dirty="0">
+                <a:solidFill>
+                  <a:srgbClr val="131313"/>
+                </a:solidFill>
+                <a:latin typeface="Roboto" panose="02000000000000000000" pitchFamily="2" charset="0"/>
+              </a:rPr>
+              <a:t>(external, </a:t>
+            </a:r>
+            <a:r>
+              <a:rPr lang="en-US" dirty="0" err="1">
+                <a:solidFill>
+                  <a:srgbClr val="131313"/>
+                </a:solidFill>
+                <a:latin typeface="Roboto" panose="02000000000000000000" pitchFamily="2" charset="0"/>
+              </a:rPr>
+              <a:t>bluetooth</a:t>
+            </a:r>
+            <a:r>
+              <a:rPr lang="en-US" dirty="0">
+                <a:solidFill>
+                  <a:srgbClr val="131313"/>
+                </a:solidFill>
+                <a:latin typeface="Roboto" panose="02000000000000000000" pitchFamily="2" charset="0"/>
+              </a:rPr>
+              <a:t>, works with app on mobile phone)</a:t>
+            </a:r>
+            <a:endParaRPr lang="en-US" dirty="0"/>
+          </a:p>
+        </p:txBody>
+      </p:sp>
+      <p:pic>
+        <p:nvPicPr>
+          <p:cNvPr id="1026" name="Picture 2" descr="GNSS receiver GM Spike">
+            <a:extLst>
+              <a:ext uri="{FF2B5EF4-FFF2-40B4-BE49-F238E27FC236}">
+                <a16:creationId xmlns:a16="http://schemas.microsoft.com/office/drawing/2014/main" id="{77CDCDE3-C2DF-6382-E867-19C999351AE1}"/>
               </a:ext>
             </a:extLst>
           </p:cNvPr>
@@ -5208,7 +6019,7 @@
           <p:nvPr/>
         </p:nvPicPr>
         <p:blipFill>
-          <a:blip r:embed="rId3">
+          <a:blip r:embed="rId5" cstate="email">
             <a:extLst>
               <a:ext uri="{28A0092B-C50C-407E-A947-70E740481C1C}">
                 <a14:useLocalDpi xmlns:a14="http://schemas.microsoft.com/office/drawing/2010/main"/>
@@ -5222,8 +6033,8 @@
         </p:blipFill>
         <p:spPr bwMode="auto">
           <a:xfrm>
-            <a:off x="311846" y="1781116"/>
-            <a:ext cx="2324100" cy="3505200"/>
+            <a:off x="5459506" y="1313149"/>
+            <a:ext cx="2411686" cy="2411686"/>
           </a:xfrm>
           <a:prstGeom prst="rect">
             <a:avLst/>
@@ -5240,390 +6051,91 @@
           </a:extLst>
         </p:spPr>
       </p:pic>
-      <p:pic>
-        <p:nvPicPr>
-          <p:cNvPr id="1028" name="Picture 4" descr="Digital Electronic Theodolite Prexiso T ...">
-            <a:extLst>
-              <a:ext uri="{FF2B5EF4-FFF2-40B4-BE49-F238E27FC236}">
-                <a16:creationId xmlns:a16="http://schemas.microsoft.com/office/drawing/2014/main" id="{16699612-63AA-4AEE-D941-2574C9BA7489}"/>
-              </a:ext>
-            </a:extLst>
-          </p:cNvPr>
-          <p:cNvPicPr>
-            <a:picLocks noChangeAspect="1" noChangeArrowheads="1"/>
-          </p:cNvPicPr>
+      <p:sp>
+        <p:nvSpPr>
+          <p:cNvPr id="7" name="TextBox 6">
+            <a:extLst>
+              <a:ext uri="{FF2B5EF4-FFF2-40B4-BE49-F238E27FC236}">
+                <a16:creationId xmlns:a16="http://schemas.microsoft.com/office/drawing/2014/main" id="{B34CD069-0E9F-9B7B-BDB1-6D42DDE8ACDB}"/>
+              </a:ext>
+            </a:extLst>
+          </p:cNvPr>
+          <p:cNvSpPr txBox="1"/>
           <p:nvPr/>
-        </p:nvPicPr>
-        <p:blipFill rotWithShape="1">
-          <a:blip r:embed="rId4" cstate="email">
-            <a:extLst>
-              <a:ext uri="{28A0092B-C50C-407E-A947-70E740481C1C}">
-                <a14:useLocalDpi xmlns:a14="http://schemas.microsoft.com/office/drawing/2010/main"/>
-              </a:ext>
-            </a:extLst>
-          </a:blip>
-          <a:srcRect/>
-          <a:stretch/>
-        </p:blipFill>
-        <p:spPr bwMode="auto">
+        </p:nvSpPr>
+        <p:spPr>
           <a:xfrm>
-            <a:off x="2883332" y="1781116"/>
-            <a:ext cx="1776349" cy="2857500"/>
+            <a:off x="5089715" y="4032758"/>
+            <a:ext cx="3247462" cy="400110"/>
           </a:xfrm>
           <a:prstGeom prst="rect">
             <a:avLst/>
           </a:prstGeom>
           <a:noFill/>
-          <a:extLst>
-            <a:ext uri="{909E8E84-426E-40DD-AFC4-6F175D3DCCD1}">
-              <a14:hiddenFill xmlns:a14="http://schemas.microsoft.com/office/drawing/2010/main">
-                <a:solidFill>
-                  <a:srgbClr val="FFFFFF"/>
-                </a:solidFill>
-              </a14:hiddenFill>
-            </a:ext>
-          </a:extLst>
         </p:spPr>
-      </p:pic>
-      <p:pic>
-        <p:nvPicPr>
-          <p:cNvPr id="1030" name="Picture 6" descr="Transit Levels: All About Transit ...">
-            <a:extLst>
-              <a:ext uri="{FF2B5EF4-FFF2-40B4-BE49-F238E27FC236}">
-                <a16:creationId xmlns:a16="http://schemas.microsoft.com/office/drawing/2014/main" id="{4F6A0752-8555-A61D-6A57-59B34E2A67FB}"/>
-              </a:ext>
-            </a:extLst>
-          </p:cNvPr>
-          <p:cNvPicPr>
-            <a:picLocks noChangeAspect="1" noChangeArrowheads="1"/>
-          </p:cNvPicPr>
-          <p:nvPr/>
-        </p:nvPicPr>
-        <p:blipFill>
-          <a:blip r:embed="rId5" cstate="email">
-            <a:extLst>
-              <a:ext uri="{28A0092B-C50C-407E-A947-70E740481C1C}">
-                <a14:useLocalDpi xmlns:a14="http://schemas.microsoft.com/office/drawing/2010/main"/>
-              </a:ext>
-            </a:extLst>
-          </a:blip>
-          <a:srcRect/>
-          <a:stretch>
-            <a:fillRect/>
-          </a:stretch>
-        </p:blipFill>
-        <p:spPr bwMode="auto">
-          <a:xfrm>
-            <a:off x="5030750" y="2139065"/>
-            <a:ext cx="2130500" cy="1931894"/>
-          </a:xfrm>
-          <a:prstGeom prst="rect">
-            <a:avLst/>
-          </a:prstGeom>
-          <a:noFill/>
-          <a:extLst>
-            <a:ext uri="{909E8E84-426E-40DD-AFC4-6F175D3DCCD1}">
-              <a14:hiddenFill xmlns:a14="http://schemas.microsoft.com/office/drawing/2010/main">
-                <a:solidFill>
-                  <a:srgbClr val="FFFFFF"/>
-                </a:solidFill>
-              </a14:hiddenFill>
-            </a:ext>
-          </a:extLst>
-        </p:spPr>
-      </p:pic>
-      <p:sp>
-        <p:nvSpPr>
-          <p:cNvPr id="3" name="TextBox 2">
-            <a:extLst>
-              <a:ext uri="{FF2B5EF4-FFF2-40B4-BE49-F238E27FC236}">
-                <a16:creationId xmlns:a16="http://schemas.microsoft.com/office/drawing/2014/main" id="{6F84C7F9-4E9E-E577-C8EE-75E397568CA6}"/>
-              </a:ext>
-            </a:extLst>
-          </p:cNvPr>
-          <p:cNvSpPr txBox="1"/>
-          <p:nvPr/>
-        </p:nvSpPr>
-        <p:spPr>
-          <a:xfrm>
-            <a:off x="3235570" y="4785651"/>
-            <a:ext cx="1197067" cy="307777"/>
-          </a:xfrm>
-          <a:prstGeom prst="rect">
-            <a:avLst/>
-          </a:prstGeom>
-          <a:solidFill>
-            <a:schemeClr val="accent4">
-              <a:lumMod val="20000"/>
-              <a:lumOff val="80000"/>
-            </a:schemeClr>
-          </a:solidFill>
-          <a:ln>
-            <a:solidFill>
-              <a:srgbClr val="FF0000"/>
-            </a:solidFill>
-          </a:ln>
-        </p:spPr>
-        <p:txBody>
-          <a:bodyPr wrap="square" rtlCol="0">
+        <p:txBody>
+          <a:bodyPr wrap="square">
             <a:spAutoFit/>
           </a:bodyPr>
           <a:lstStyle/>
           <a:p>
-            <a:pPr algn="ctr" rtl="0">
-              <a:spcBef>
-                <a:spcPts val="0"/>
-              </a:spcBef>
-              <a:spcAft>
-                <a:spcPts val="0"/>
-              </a:spcAft>
+            <a:pPr marL="171450" indent="-171450">
+              <a:buFont typeface="Arial" panose="020B0604020202020204" pitchFamily="34" charset="0"/>
+              <a:buChar char="•"/>
             </a:pPr>
             <a:r>
-              <a:rPr lang="en-US" sz="1400" b="0" i="0" u="none" strike="noStrike" dirty="0">
-                <a:solidFill>
-                  <a:srgbClr val="000000"/>
-                </a:solidFill>
-                <a:effectLst/>
-                <a:latin typeface="Calibri" panose="020F0502020204030204" pitchFamily="34" charset="0"/>
-                <a:cs typeface="Calibri" panose="020F0502020204030204" pitchFamily="34" charset="0"/>
-              </a:rPr>
-              <a:t>theodolite</a:t>
-            </a:r>
-            <a:endParaRPr lang="en-US" sz="1400" dirty="0">
-              <a:solidFill>
-                <a:srgbClr val="0F0F0F"/>
-              </a:solidFill>
-              <a:latin typeface="Calibri" panose="020F0502020204030204" pitchFamily="34" charset="0"/>
-              <a:cs typeface="Calibri" panose="020F0502020204030204" pitchFamily="34" charset="0"/>
-            </a:endParaRPr>
-          </a:p>
-        </p:txBody>
-      </p:sp>
-      <p:sp>
-        <p:nvSpPr>
-          <p:cNvPr id="5" name="TextBox 4">
-            <a:extLst>
-              <a:ext uri="{FF2B5EF4-FFF2-40B4-BE49-F238E27FC236}">
-                <a16:creationId xmlns:a16="http://schemas.microsoft.com/office/drawing/2014/main" id="{0B4D778B-139A-279A-0980-9B489BAD5A58}"/>
-              </a:ext>
-            </a:extLst>
-          </p:cNvPr>
-          <p:cNvSpPr txBox="1"/>
-          <p:nvPr/>
-        </p:nvSpPr>
-        <p:spPr>
-          <a:xfrm>
-            <a:off x="5392135" y="4260224"/>
-            <a:ext cx="1197067" cy="307777"/>
-          </a:xfrm>
-          <a:prstGeom prst="rect">
-            <a:avLst/>
-          </a:prstGeom>
-          <a:solidFill>
-            <a:schemeClr val="accent4">
-              <a:lumMod val="20000"/>
-              <a:lumOff val="80000"/>
-            </a:schemeClr>
-          </a:solidFill>
-          <a:ln>
-            <a:solidFill>
-              <a:srgbClr val="FF0000"/>
-            </a:solidFill>
-          </a:ln>
-        </p:spPr>
-        <p:txBody>
-          <a:bodyPr wrap="square" rtlCol="0">
-            <a:spAutoFit/>
-          </a:bodyPr>
-          <a:lstStyle/>
-          <a:p>
-            <a:pPr algn="ctr" rtl="0">
-              <a:spcBef>
-                <a:spcPts val="0"/>
-              </a:spcBef>
-              <a:spcAft>
-                <a:spcPts val="0"/>
-              </a:spcAft>
+              <a:rPr lang="en-US" sz="1000" dirty="0"/>
+              <a:t>https://</a:t>
+            </a:r>
+            <a:r>
+              <a:rPr lang="en-US" sz="1000" dirty="0" err="1"/>
+              <a:t>www.youtube.com</a:t>
+            </a:r>
+            <a:r>
+              <a:rPr lang="en-US" sz="1000" dirty="0"/>
+              <a:t>/</a:t>
+            </a:r>
+            <a:r>
+              <a:rPr lang="en-US" sz="1000" dirty="0" err="1"/>
+              <a:t>watch?v</a:t>
+            </a:r>
+            <a:r>
+              <a:rPr lang="en-US" sz="1000" dirty="0"/>
+              <a:t>=O8uCuEDJ_1E </a:t>
+            </a:r>
+          </a:p>
+          <a:p>
+            <a:pPr marL="171450" indent="-171450">
+              <a:buFont typeface="Arial" panose="020B0604020202020204" pitchFamily="34" charset="0"/>
+              <a:buChar char="•"/>
             </a:pPr>
             <a:r>
-              <a:rPr lang="en-US" sz="1400" b="0" i="0" u="none" strike="noStrike" dirty="0">
-                <a:solidFill>
-                  <a:srgbClr val="000000"/>
-                </a:solidFill>
-                <a:effectLst/>
-                <a:latin typeface="Calibri" panose="020F0502020204030204" pitchFamily="34" charset="0"/>
-                <a:cs typeface="Calibri" panose="020F0502020204030204" pitchFamily="34" charset="0"/>
-              </a:rPr>
-              <a:t>transit</a:t>
-            </a:r>
-            <a:endParaRPr lang="en-US" sz="1400" dirty="0">
-              <a:solidFill>
-                <a:srgbClr val="0F0F0F"/>
-              </a:solidFill>
-              <a:latin typeface="Calibri" panose="020F0502020204030204" pitchFamily="34" charset="0"/>
-              <a:cs typeface="Calibri" panose="020F0502020204030204" pitchFamily="34" charset="0"/>
-            </a:endParaRPr>
-          </a:p>
-        </p:txBody>
-      </p:sp>
-      <p:sp>
-        <p:nvSpPr>
-          <p:cNvPr id="6" name="TextBox 5">
-            <a:extLst>
-              <a:ext uri="{FF2B5EF4-FFF2-40B4-BE49-F238E27FC236}">
-                <a16:creationId xmlns:a16="http://schemas.microsoft.com/office/drawing/2014/main" id="{D5B22834-0FC6-00B5-60A4-CB43DB9DA2F7}"/>
-              </a:ext>
-            </a:extLst>
-          </p:cNvPr>
-          <p:cNvSpPr txBox="1"/>
-          <p:nvPr/>
-        </p:nvSpPr>
-        <p:spPr>
-          <a:xfrm>
-            <a:off x="311846" y="5802347"/>
-            <a:ext cx="3032603" cy="523220"/>
-          </a:xfrm>
-          <a:prstGeom prst="rect">
-            <a:avLst/>
-          </a:prstGeom>
-          <a:solidFill>
-            <a:schemeClr val="accent4">
-              <a:lumMod val="20000"/>
-              <a:lumOff val="80000"/>
-            </a:schemeClr>
-          </a:solidFill>
-          <a:ln>
-            <a:solidFill>
-              <a:srgbClr val="FF0000"/>
-            </a:solidFill>
-          </a:ln>
-        </p:spPr>
-        <p:txBody>
-          <a:bodyPr wrap="square" rtlCol="0">
-            <a:spAutoFit/>
-          </a:bodyPr>
-          <a:lstStyle/>
-          <a:p>
-            <a:pPr rtl="0">
-              <a:spcBef>
-                <a:spcPts val="0"/>
-              </a:spcBef>
-              <a:spcAft>
-                <a:spcPts val="0"/>
-              </a:spcAft>
-            </a:pPr>
-            <a:r>
-              <a:rPr lang="en-US" sz="1400" b="0" i="0" u="none" strike="noStrike" dirty="0">
-                <a:solidFill>
-                  <a:srgbClr val="000000"/>
-                </a:solidFill>
-                <a:effectLst/>
-                <a:latin typeface="Calibri" panose="020F0502020204030204" pitchFamily="34" charset="0"/>
-                <a:cs typeface="Calibri" panose="020F0502020204030204" pitchFamily="34" charset="0"/>
-              </a:rPr>
-              <a:t>theodolite price $200 .. $1200 .. $4200</a:t>
-            </a:r>
-          </a:p>
-          <a:p>
-            <a:pPr rtl="0">
-              <a:spcBef>
-                <a:spcPts val="0"/>
-              </a:spcBef>
-              <a:spcAft>
-                <a:spcPts val="0"/>
-              </a:spcAft>
-            </a:pPr>
-            <a:r>
-              <a:rPr lang="en-US" sz="1400" dirty="0">
-                <a:solidFill>
-                  <a:srgbClr val="000000"/>
-                </a:solidFill>
-                <a:latin typeface="Calibri" panose="020F0502020204030204" pitchFamily="34" charset="0"/>
-                <a:cs typeface="Calibri" panose="020F0502020204030204" pitchFamily="34" charset="0"/>
-              </a:rPr>
-              <a:t>New models are digital and use laser</a:t>
-            </a:r>
-            <a:endParaRPr lang="en-US" sz="1400" dirty="0">
-              <a:solidFill>
-                <a:srgbClr val="0F0F0F"/>
-              </a:solidFill>
-              <a:latin typeface="Calibri" panose="020F0502020204030204" pitchFamily="34" charset="0"/>
-              <a:cs typeface="Calibri" panose="020F0502020204030204" pitchFamily="34" charset="0"/>
-            </a:endParaRPr>
-          </a:p>
-        </p:txBody>
-      </p:sp>
-      <p:sp>
-        <p:nvSpPr>
-          <p:cNvPr id="9" name="TextBox 8">
-            <a:extLst>
-              <a:ext uri="{FF2B5EF4-FFF2-40B4-BE49-F238E27FC236}">
-                <a16:creationId xmlns:a16="http://schemas.microsoft.com/office/drawing/2014/main" id="{E89CBF96-4ADE-8CF2-E485-C8C0E128E851}"/>
-              </a:ext>
-            </a:extLst>
-          </p:cNvPr>
-          <p:cNvSpPr txBox="1"/>
-          <p:nvPr/>
-        </p:nvSpPr>
-        <p:spPr>
-          <a:xfrm>
-            <a:off x="7866345" y="532939"/>
-            <a:ext cx="4232540" cy="1815882"/>
-          </a:xfrm>
-          <a:prstGeom prst="rect">
-            <a:avLst/>
-          </a:prstGeom>
-          <a:solidFill>
-            <a:schemeClr val="accent4">
-              <a:lumMod val="20000"/>
-              <a:lumOff val="80000"/>
-            </a:schemeClr>
-          </a:solidFill>
-          <a:ln>
-            <a:solidFill>
-              <a:srgbClr val="FF0000"/>
-            </a:solidFill>
-          </a:ln>
-        </p:spPr>
-        <p:txBody>
-          <a:bodyPr wrap="square" rtlCol="0">
-            <a:spAutoFit/>
-          </a:bodyPr>
-          <a:lstStyle/>
-          <a:p>
-            <a:pPr rtl="0">
-              <a:spcBef>
-                <a:spcPts val="0"/>
-              </a:spcBef>
-              <a:spcAft>
-                <a:spcPts val="0"/>
-              </a:spcAft>
-            </a:pPr>
-            <a:r>
-              <a:rPr lang="en-US" sz="1400" b="0" i="0" u="none" strike="noStrike" dirty="0">
-                <a:solidFill>
-                  <a:srgbClr val="000000"/>
-                </a:solidFill>
-                <a:effectLst/>
-                <a:latin typeface="Calibri" panose="020F0502020204030204" pitchFamily="34" charset="0"/>
-                <a:cs typeface="Calibri" panose="020F0502020204030204" pitchFamily="34" charset="0"/>
-              </a:rPr>
-              <a:t>A theodolite survey is a survey that uses a theodolite, a precision optical instrument, to measure vertical and horizontal angles between visible points. Theodolites are often used for land surveying, but can also be used for building and infrastructure construction. They are considered the most accurate instrument for measuring angles and can be used to locate points on a line, extend survey lines, and find elevation differences. </a:t>
-            </a:r>
-            <a:endParaRPr lang="en-US" sz="1400" dirty="0">
-              <a:solidFill>
-                <a:srgbClr val="0F0F0F"/>
-              </a:solidFill>
-              <a:latin typeface="Calibri" panose="020F0502020204030204" pitchFamily="34" charset="0"/>
-              <a:cs typeface="Calibri" panose="020F0502020204030204" pitchFamily="34" charset="0"/>
-            </a:endParaRPr>
+              <a:rPr lang="en-US" sz="1000" dirty="0"/>
+              <a:t>https://</a:t>
+            </a:r>
+            <a:r>
+              <a:rPr lang="en-US" sz="1000" dirty="0" err="1"/>
+              <a:t>gpsgeometer.com</a:t>
+            </a:r>
+            <a:r>
+              <a:rPr lang="en-US" sz="1000" dirty="0"/>
+              <a:t>/</a:t>
+            </a:r>
+            <a:r>
+              <a:rPr lang="en-US" sz="1000" dirty="0" err="1"/>
+              <a:t>en</a:t>
+            </a:r>
+            <a:r>
+              <a:rPr lang="en-US" sz="1000" dirty="0"/>
+              <a:t>/  </a:t>
+            </a:r>
           </a:p>
         </p:txBody>
       </p:sp>
     </p:spTree>
     <p:extLst>
       <p:ext uri="{BB962C8B-B14F-4D97-AF65-F5344CB8AC3E}">
-        <p14:creationId xmlns:p14="http://schemas.microsoft.com/office/powerpoint/2010/main" val="1165596331"/>
+        <p14:creationId xmlns:p14="http://schemas.microsoft.com/office/powerpoint/2010/main" val="3180255899"/>
       </p:ext>
     </p:extLst>
   </p:cSld>

--- a/map_gps_survey.pptx
+++ b/map_gps_survey.pptx
@@ -5,13 +5,14 @@
     <p:sldMasterId id="2147483648" r:id="rId1"/>
   </p:sldMasterIdLst>
   <p:notesMasterIdLst>
-    <p:notesMasterId r:id="rId6"/>
+    <p:notesMasterId r:id="rId7"/>
   </p:notesMasterIdLst>
   <p:sldIdLst>
     <p:sldId id="266" r:id="rId2"/>
     <p:sldId id="264" r:id="rId3"/>
-    <p:sldId id="263" r:id="rId4"/>
-    <p:sldId id="265" r:id="rId5"/>
+    <p:sldId id="267" r:id="rId4"/>
+    <p:sldId id="263" r:id="rId5"/>
+    <p:sldId id="265" r:id="rId6"/>
   </p:sldIdLst>
   <p:sldSz cx="12192000" cy="6858000"/>
   <p:notesSz cx="6858000" cy="9144000"/>
@@ -200,7 +201,7 @@
           <a:p>
             <a:fld id="{D2843BDE-B8C0-934E-9704-CBA3B88C1FB8}" type="datetimeFigureOut">
               <a:rPr lang="en-US" smtClean="0"/>
-              <a:t>11/9/25</a:t>
+              <a:t>11/23/25</a:t>
             </a:fld>
             <a:endParaRPr lang="en-US"/>
           </a:p>
@@ -757,6 +758,114 @@
     </p:spTree>
     <p:extLst>
       <p:ext uri="{BB962C8B-B14F-4D97-AF65-F5344CB8AC3E}">
+        <p14:creationId xmlns:p14="http://schemas.microsoft.com/office/powerpoint/2010/main" val="987883287"/>
+      </p:ext>
+    </p:extLst>
+  </p:cSld>
+  <p:clrMapOvr>
+    <a:masterClrMapping/>
+  </p:clrMapOvr>
+</p:notes>
+</file>
+
+<file path=ppt/notesSlides/notesSlide4.xml><?xml version="1.0" encoding="utf-8"?>
+<p:notes xmlns:a="http://schemas.openxmlformats.org/drawingml/2006/main" xmlns:r="http://schemas.openxmlformats.org/officeDocument/2006/relationships" xmlns:p="http://schemas.openxmlformats.org/presentationml/2006/main">
+  <p:cSld>
+    <p:spTree>
+      <p:nvGrpSpPr>
+        <p:cNvPr id="1" name="">
+          <a:extLst>
+            <a:ext uri="{FF2B5EF4-FFF2-40B4-BE49-F238E27FC236}">
+              <a16:creationId xmlns:a16="http://schemas.microsoft.com/office/drawing/2014/main" id="{ADCE2001-545C-99D0-05A3-34EAAB5CA049}"/>
+            </a:ext>
+          </a:extLst>
+        </p:cNvPr>
+        <p:cNvGrpSpPr/>
+        <p:nvPr/>
+      </p:nvGrpSpPr>
+      <p:grpSpPr>
+        <a:xfrm>
+          <a:off x="0" y="0"/>
+          <a:ext cx="0" cy="0"/>
+          <a:chOff x="0" y="0"/>
+          <a:chExt cx="0" cy="0"/>
+        </a:xfrm>
+      </p:grpSpPr>
+      <p:sp>
+        <p:nvSpPr>
+          <p:cNvPr id="2" name="Slide Image Placeholder 1">
+            <a:extLst>
+              <a:ext uri="{FF2B5EF4-FFF2-40B4-BE49-F238E27FC236}">
+                <a16:creationId xmlns:a16="http://schemas.microsoft.com/office/drawing/2014/main" id="{1499392E-8F18-4AD6-D26D-2EAA93E40800}"/>
+              </a:ext>
+            </a:extLst>
+          </p:cNvPr>
+          <p:cNvSpPr>
+            <a:spLocks noGrp="1" noRot="1" noChangeAspect="1"/>
+          </p:cNvSpPr>
+          <p:nvPr>
+            <p:ph type="sldImg"/>
+          </p:nvPr>
+        </p:nvSpPr>
+        <p:spPr/>
+      </p:sp>
+      <p:sp>
+        <p:nvSpPr>
+          <p:cNvPr id="3" name="Notes Placeholder 2">
+            <a:extLst>
+              <a:ext uri="{FF2B5EF4-FFF2-40B4-BE49-F238E27FC236}">
+                <a16:creationId xmlns:a16="http://schemas.microsoft.com/office/drawing/2014/main" id="{0B572907-66C1-84CC-5E24-AFA53AA9427E}"/>
+              </a:ext>
+            </a:extLst>
+          </p:cNvPr>
+          <p:cNvSpPr>
+            <a:spLocks noGrp="1"/>
+          </p:cNvSpPr>
+          <p:nvPr>
+            <p:ph type="body" idx="1"/>
+          </p:nvPr>
+        </p:nvSpPr>
+        <p:spPr/>
+        <p:txBody>
+          <a:bodyPr/>
+          <a:lstStyle/>
+          <a:p>
+            <a:endParaRPr lang="en-US" dirty="0"/>
+          </a:p>
+        </p:txBody>
+      </p:sp>
+      <p:sp>
+        <p:nvSpPr>
+          <p:cNvPr id="4" name="Slide Number Placeholder 3">
+            <a:extLst>
+              <a:ext uri="{FF2B5EF4-FFF2-40B4-BE49-F238E27FC236}">
+                <a16:creationId xmlns:a16="http://schemas.microsoft.com/office/drawing/2014/main" id="{2F5FB7D5-126E-2993-4CA4-5B643C76FA09}"/>
+              </a:ext>
+            </a:extLst>
+          </p:cNvPr>
+          <p:cNvSpPr>
+            <a:spLocks noGrp="1"/>
+          </p:cNvSpPr>
+          <p:nvPr>
+            <p:ph type="sldNum" sz="quarter" idx="5"/>
+          </p:nvPr>
+        </p:nvSpPr>
+        <p:spPr/>
+        <p:txBody>
+          <a:bodyPr/>
+          <a:lstStyle/>
+          <a:p>
+            <a:fld id="{BA8B91EE-EA77-074C-ABDE-BAE6359B4E98}" type="slidenum">
+              <a:rPr lang="en-US" smtClean="0"/>
+              <a:t>4</a:t>
+            </a:fld>
+            <a:endParaRPr lang="en-US"/>
+          </a:p>
+        </p:txBody>
+      </p:sp>
+    </p:spTree>
+    <p:extLst>
+      <p:ext uri="{BB962C8B-B14F-4D97-AF65-F5344CB8AC3E}">
         <p14:creationId xmlns:p14="http://schemas.microsoft.com/office/powerpoint/2010/main" val="2175948219"/>
       </p:ext>
     </p:extLst>
@@ -913,7 +1022,7 @@
           <a:lstStyle/>
           <a:p>
             <a:fld id="{5F491023-0B0A-7041-9F06-D25A50EF063B}" type="datetimeFigureOut">
-              <a:t>11/9/25</a:t>
+              <a:t>11/23/25</a:t>
             </a:fld>
             <a:endParaRPr lang="en-US"/>
           </a:p>
@@ -1109,7 +1218,7 @@
           <a:lstStyle/>
           <a:p>
             <a:fld id="{5F491023-0B0A-7041-9F06-D25A50EF063B}" type="datetimeFigureOut">
-              <a:t>11/9/25</a:t>
+              <a:t>11/23/25</a:t>
             </a:fld>
             <a:endParaRPr lang="en-US"/>
           </a:p>
@@ -1315,7 +1424,7 @@
           <a:lstStyle/>
           <a:p>
             <a:fld id="{5F491023-0B0A-7041-9F06-D25A50EF063B}" type="datetimeFigureOut">
-              <a:t>11/9/25</a:t>
+              <a:t>11/23/25</a:t>
             </a:fld>
             <a:endParaRPr lang="en-US"/>
           </a:p>
@@ -1511,7 +1620,7 @@
           <a:lstStyle/>
           <a:p>
             <a:fld id="{5F491023-0B0A-7041-9F06-D25A50EF063B}" type="datetimeFigureOut">
-              <a:t>11/9/25</a:t>
+              <a:t>11/23/25</a:t>
             </a:fld>
             <a:endParaRPr lang="en-US"/>
           </a:p>
@@ -1784,7 +1893,7 @@
           <a:lstStyle/>
           <a:p>
             <a:fld id="{5F491023-0B0A-7041-9F06-D25A50EF063B}" type="datetimeFigureOut">
-              <a:t>11/9/25</a:t>
+              <a:t>11/23/25</a:t>
             </a:fld>
             <a:endParaRPr lang="en-US"/>
           </a:p>
@@ -2047,7 +2156,7 @@
           <a:lstStyle/>
           <a:p>
             <a:fld id="{5F491023-0B0A-7041-9F06-D25A50EF063B}" type="datetimeFigureOut">
-              <a:t>11/9/25</a:t>
+              <a:t>11/23/25</a:t>
             </a:fld>
             <a:endParaRPr lang="en-US"/>
           </a:p>
@@ -2457,7 +2566,7 @@
           <a:lstStyle/>
           <a:p>
             <a:fld id="{5F491023-0B0A-7041-9F06-D25A50EF063B}" type="datetimeFigureOut">
-              <a:t>11/9/25</a:t>
+              <a:t>11/23/25</a:t>
             </a:fld>
             <a:endParaRPr lang="en-US"/>
           </a:p>
@@ -2596,7 +2705,7 @@
           <a:lstStyle/>
           <a:p>
             <a:fld id="{5F491023-0B0A-7041-9F06-D25A50EF063B}" type="datetimeFigureOut">
-              <a:t>11/9/25</a:t>
+              <a:t>11/23/25</a:t>
             </a:fld>
             <a:endParaRPr lang="en-US"/>
           </a:p>
@@ -2707,7 +2816,7 @@
           <a:lstStyle/>
           <a:p>
             <a:fld id="{5F491023-0B0A-7041-9F06-D25A50EF063B}" type="datetimeFigureOut">
-              <a:t>11/9/25</a:t>
+              <a:t>11/23/25</a:t>
             </a:fld>
             <a:endParaRPr lang="en-US"/>
           </a:p>
@@ -3016,7 +3125,7 @@
           <a:lstStyle/>
           <a:p>
             <a:fld id="{5F491023-0B0A-7041-9F06-D25A50EF063B}" type="datetimeFigureOut">
-              <a:t>11/9/25</a:t>
+              <a:t>11/23/25</a:t>
             </a:fld>
             <a:endParaRPr lang="en-US"/>
           </a:p>
@@ -3302,7 +3411,7 @@
           <a:lstStyle/>
           <a:p>
             <a:fld id="{5F491023-0B0A-7041-9F06-D25A50EF063B}" type="datetimeFigureOut">
-              <a:t>11/9/25</a:t>
+              <a:t>11/23/25</a:t>
             </a:fld>
             <a:endParaRPr lang="en-US"/>
           </a:p>
@@ -3541,7 +3650,7 @@
           </a:lstStyle>
           <a:p>
             <a:fld id="{5F491023-0B0A-7041-9F06-D25A50EF063B}" type="datetimeFigureOut">
-              <a:t>11/9/25</a:t>
+              <a:t>11/23/25</a:t>
             </a:fld>
             <a:endParaRPr lang="en-US"/>
           </a:p>
@@ -4995,6 +5104,577 @@
         <p:spPr>
           <a:xfrm>
             <a:off x="-1" y="9719"/>
+            <a:ext cx="6096001" cy="523220"/>
+          </a:xfrm>
+          <a:prstGeom prst="rect">
+            <a:avLst/>
+          </a:prstGeom>
+          <a:noFill/>
+        </p:spPr>
+        <p:txBody>
+          <a:bodyPr wrap="square" rtlCol="0">
+            <a:spAutoFit/>
+          </a:bodyPr>
+          <a:lstStyle/>
+          <a:p>
+            <a:pPr algn="l"/>
+            <a:r>
+              <a:rPr lang="en-US" sz="2800" b="1" dirty="0">
+                <a:solidFill>
+                  <a:srgbClr val="000000"/>
+                </a:solidFill>
+                <a:latin typeface="Calibri" panose="020F0502020204030204" pitchFamily="34" charset="0"/>
+                <a:cs typeface="Calibri" panose="020F0502020204030204" pitchFamily="34" charset="0"/>
+              </a:rPr>
+              <a:t>Map Software</a:t>
+            </a:r>
+            <a:endParaRPr lang="en-US" sz="2800" b="1" i="0" dirty="0">
+              <a:solidFill>
+                <a:srgbClr val="0F0F0F"/>
+              </a:solidFill>
+              <a:effectLst/>
+              <a:latin typeface="Roboto" panose="02000000000000000000" pitchFamily="2" charset="0"/>
+            </a:endParaRPr>
+          </a:p>
+        </p:txBody>
+      </p:sp>
+      <p:sp>
+        <p:nvSpPr>
+          <p:cNvPr id="4" name="TextBox 3">
+            <a:extLst>
+              <a:ext uri="{FF2B5EF4-FFF2-40B4-BE49-F238E27FC236}">
+                <a16:creationId xmlns:a16="http://schemas.microsoft.com/office/drawing/2014/main" id="{DD4394FC-D1D9-F361-3B76-4BF1E090F672}"/>
+              </a:ext>
+            </a:extLst>
+          </p:cNvPr>
+          <p:cNvSpPr txBox="1"/>
+          <p:nvPr/>
+        </p:nvSpPr>
+        <p:spPr>
+          <a:xfrm>
+            <a:off x="93115" y="679974"/>
+            <a:ext cx="5892957" cy="3323987"/>
+          </a:xfrm>
+          <a:prstGeom prst="rect">
+            <a:avLst/>
+          </a:prstGeom>
+          <a:solidFill>
+            <a:schemeClr val="accent4">
+              <a:lumMod val="20000"/>
+              <a:lumOff val="80000"/>
+            </a:schemeClr>
+          </a:solidFill>
+          <a:ln>
+            <a:solidFill>
+              <a:srgbClr val="FF0000"/>
+            </a:solidFill>
+          </a:ln>
+        </p:spPr>
+        <p:txBody>
+          <a:bodyPr wrap="square" rtlCol="0">
+            <a:spAutoFit/>
+          </a:bodyPr>
+          <a:lstStyle/>
+          <a:p>
+            <a:r>
+              <a:rPr lang="en-US" sz="1400" dirty="0">
+                <a:solidFill>
+                  <a:srgbClr val="000000"/>
+                </a:solidFill>
+                <a:latin typeface="Calibri" panose="020F0502020204030204" pitchFamily="34" charset="0"/>
+                <a:cs typeface="Calibri" panose="020F0502020204030204" pitchFamily="34" charset="0"/>
+              </a:rPr>
+              <a:t>Orienteering maps</a:t>
+            </a:r>
+          </a:p>
+          <a:p>
+            <a:pPr marL="285750" indent="-285750">
+              <a:buFont typeface="Arial" panose="020B0604020202020204" pitchFamily="34" charset="0"/>
+              <a:buChar char="•"/>
+            </a:pPr>
+            <a:r>
+              <a:rPr lang="en-US" sz="1400" dirty="0">
+                <a:solidFill>
+                  <a:srgbClr val="000000"/>
+                </a:solidFill>
+                <a:latin typeface="Calibri" panose="020F0502020204030204" pitchFamily="34" charset="0"/>
+                <a:cs typeface="Calibri" panose="020F0502020204030204" pitchFamily="34" charset="0"/>
+              </a:rPr>
+              <a:t>OCAD – standard commercial software for orienteering map creation. Windows-based. Includes features like GPS real-time modules for field work, drawing and editing tools, and LiDAR/DEM modules for terrain analysis. It supports various versions of its native .</a:t>
+            </a:r>
+            <a:r>
+              <a:rPr lang="en-US" sz="1400" dirty="0" err="1">
+                <a:solidFill>
+                  <a:srgbClr val="000000"/>
+                </a:solidFill>
+                <a:latin typeface="Calibri" panose="020F0502020204030204" pitchFamily="34" charset="0"/>
+                <a:cs typeface="Calibri" panose="020F0502020204030204" pitchFamily="34" charset="0"/>
+              </a:rPr>
+              <a:t>ocd</a:t>
+            </a:r>
+            <a:r>
+              <a:rPr lang="en-US" sz="1400" dirty="0">
+                <a:solidFill>
+                  <a:srgbClr val="000000"/>
+                </a:solidFill>
+                <a:latin typeface="Calibri" panose="020F0502020204030204" pitchFamily="34" charset="0"/>
+                <a:cs typeface="Calibri" panose="020F0502020204030204" pitchFamily="34" charset="0"/>
+              </a:rPr>
+              <a:t> file format (versions 8 through 12 and 2018)</a:t>
+            </a:r>
+          </a:p>
+          <a:p>
+            <a:pPr marL="285750" indent="-285750">
+              <a:buFont typeface="Arial" panose="020B0604020202020204" pitchFamily="34" charset="0"/>
+              <a:buChar char="•"/>
+            </a:pPr>
+            <a:r>
+              <a:rPr lang="en-US" sz="1400" dirty="0" err="1">
+                <a:solidFill>
+                  <a:srgbClr val="000000"/>
+                </a:solidFill>
+                <a:latin typeface="Calibri" panose="020F0502020204030204" pitchFamily="34" charset="0"/>
+                <a:cs typeface="Calibri" panose="020F0502020204030204" pitchFamily="34" charset="0"/>
+              </a:rPr>
+              <a:t>OpenOrienteering</a:t>
+            </a:r>
+            <a:r>
+              <a:rPr lang="en-US" sz="1400" dirty="0">
+                <a:solidFill>
+                  <a:srgbClr val="000000"/>
+                </a:solidFill>
+                <a:latin typeface="Calibri" panose="020F0502020204030204" pitchFamily="34" charset="0"/>
+                <a:cs typeface="Calibri" panose="020F0502020204030204" pitchFamily="34" charset="0"/>
+              </a:rPr>
+              <a:t> Mapper - the leading free, open-source alternative. This cross-platform software works on Android, Windows, macOS, and Linux. </a:t>
+            </a:r>
+          </a:p>
+          <a:p>
+            <a:pPr marL="285750" indent="-285750">
+              <a:buFont typeface="Arial" panose="020B0604020202020204" pitchFamily="34" charset="0"/>
+              <a:buChar char="•"/>
+            </a:pPr>
+            <a:r>
+              <a:rPr lang="en-US" sz="1400" dirty="0">
+                <a:solidFill>
+                  <a:srgbClr val="000000"/>
+                </a:solidFill>
+                <a:latin typeface="Calibri" panose="020F0502020204030204" pitchFamily="34" charset="0"/>
+                <a:cs typeface="Calibri" panose="020F0502020204030204" pitchFamily="34" charset="0"/>
+              </a:rPr>
+              <a:t>File Formats:</a:t>
+            </a:r>
+          </a:p>
+          <a:p>
+            <a:pPr marL="354013" indent="-119063">
+              <a:buFont typeface="Arial" panose="020B0604020202020204" pitchFamily="34" charset="0"/>
+              <a:buChar char="•"/>
+            </a:pPr>
+            <a:r>
+              <a:rPr lang="en-US" sz="1400" dirty="0">
+                <a:solidFill>
+                  <a:srgbClr val="000000"/>
+                </a:solidFill>
+                <a:latin typeface="Calibri" panose="020F0502020204030204" pitchFamily="34" charset="0"/>
+                <a:cs typeface="Calibri" panose="020F0502020204030204" pitchFamily="34" charset="0"/>
+              </a:rPr>
+              <a:t>.</a:t>
+            </a:r>
+            <a:r>
+              <a:rPr lang="en-US" sz="1400" dirty="0" err="1">
+                <a:solidFill>
+                  <a:srgbClr val="000000"/>
+                </a:solidFill>
+                <a:latin typeface="Calibri" panose="020F0502020204030204" pitchFamily="34" charset="0"/>
+                <a:cs typeface="Calibri" panose="020F0502020204030204" pitchFamily="34" charset="0"/>
+              </a:rPr>
+              <a:t>omap</a:t>
+            </a:r>
+            <a:r>
+              <a:rPr lang="en-US" sz="1400" dirty="0">
+                <a:solidFill>
+                  <a:srgbClr val="000000"/>
+                </a:solidFill>
+                <a:latin typeface="Calibri" panose="020F0502020204030204" pitchFamily="34" charset="0"/>
+                <a:cs typeface="Calibri" panose="020F0502020204030204" pitchFamily="34" charset="0"/>
+              </a:rPr>
+              <a:t> and .</a:t>
+            </a:r>
+            <a:r>
+              <a:rPr lang="en-US" sz="1400" dirty="0" err="1">
+                <a:solidFill>
+                  <a:srgbClr val="000000"/>
+                </a:solidFill>
+                <a:latin typeface="Calibri" panose="020F0502020204030204" pitchFamily="34" charset="0"/>
+                <a:cs typeface="Calibri" panose="020F0502020204030204" pitchFamily="34" charset="0"/>
+              </a:rPr>
+              <a:t>xmap</a:t>
+            </a:r>
+            <a:r>
+              <a:rPr lang="en-US" sz="1400" dirty="0">
+                <a:solidFill>
+                  <a:srgbClr val="000000"/>
+                </a:solidFill>
+                <a:latin typeface="Calibri" panose="020F0502020204030204" pitchFamily="34" charset="0"/>
+                <a:cs typeface="Calibri" panose="020F0502020204030204" pitchFamily="34" charset="0"/>
+              </a:rPr>
+              <a:t> - Native </a:t>
+            </a:r>
+            <a:r>
+              <a:rPr lang="en-US" sz="1400" dirty="0" err="1">
+                <a:solidFill>
+                  <a:srgbClr val="000000"/>
+                </a:solidFill>
+                <a:latin typeface="Calibri" panose="020F0502020204030204" pitchFamily="34" charset="0"/>
+                <a:cs typeface="Calibri" panose="020F0502020204030204" pitchFamily="34" charset="0"/>
+              </a:rPr>
+              <a:t>OpenOrienteering</a:t>
+            </a:r>
+            <a:r>
+              <a:rPr lang="en-US" sz="1400" dirty="0">
+                <a:solidFill>
+                  <a:srgbClr val="000000"/>
+                </a:solidFill>
+                <a:latin typeface="Calibri" panose="020F0502020204030204" pitchFamily="34" charset="0"/>
+                <a:cs typeface="Calibri" panose="020F0502020204030204" pitchFamily="34" charset="0"/>
+              </a:rPr>
+              <a:t> Mapper formats</a:t>
+            </a:r>
+          </a:p>
+          <a:p>
+            <a:pPr marL="354013" indent="-119063">
+              <a:buFont typeface="Arial" panose="020B0604020202020204" pitchFamily="34" charset="0"/>
+              <a:buChar char="•"/>
+            </a:pPr>
+            <a:r>
+              <a:rPr lang="en-US" sz="1400" dirty="0">
+                <a:solidFill>
+                  <a:srgbClr val="000000"/>
+                </a:solidFill>
+                <a:latin typeface="Calibri" panose="020F0502020204030204" pitchFamily="34" charset="0"/>
+                <a:cs typeface="Calibri" panose="020F0502020204030204" pitchFamily="34" charset="0"/>
+              </a:rPr>
+              <a:t>.</a:t>
+            </a:r>
+            <a:r>
+              <a:rPr lang="en-US" sz="1400" dirty="0" err="1">
+                <a:solidFill>
+                  <a:srgbClr val="000000"/>
+                </a:solidFill>
+                <a:latin typeface="Calibri" panose="020F0502020204030204" pitchFamily="34" charset="0"/>
+                <a:cs typeface="Calibri" panose="020F0502020204030204" pitchFamily="34" charset="0"/>
+              </a:rPr>
+              <a:t>ocd</a:t>
+            </a:r>
+            <a:r>
+              <a:rPr lang="en-US" sz="1400" dirty="0">
+                <a:solidFill>
+                  <a:srgbClr val="000000"/>
+                </a:solidFill>
+                <a:latin typeface="Calibri" panose="020F0502020204030204" pitchFamily="34" charset="0"/>
+                <a:cs typeface="Calibri" panose="020F0502020204030204" pitchFamily="34" charset="0"/>
+              </a:rPr>
+              <a:t> - OCAD proprietary format (versions 8-12, 2018)</a:t>
+            </a:r>
+          </a:p>
+          <a:p>
+            <a:pPr marL="354013" indent="-119063">
+              <a:buFont typeface="Arial" panose="020B0604020202020204" pitchFamily="34" charset="0"/>
+              <a:buChar char="•"/>
+            </a:pPr>
+            <a:r>
+              <a:rPr lang="en-US" sz="1400" dirty="0">
+                <a:solidFill>
+                  <a:srgbClr val="000000"/>
+                </a:solidFill>
+                <a:latin typeface="Calibri" panose="020F0502020204030204" pitchFamily="34" charset="0"/>
+                <a:cs typeface="Calibri" panose="020F0502020204030204" pitchFamily="34" charset="0"/>
+              </a:rPr>
+              <a:t>PDF and KMZ - Export formats for printing and distribution</a:t>
+            </a:r>
+          </a:p>
+          <a:p>
+            <a:pPr marL="354013" indent="-119063">
+              <a:buFont typeface="Arial" panose="020B0604020202020204" pitchFamily="34" charset="0"/>
+              <a:buChar char="•"/>
+            </a:pPr>
+            <a:r>
+              <a:rPr lang="en-US" sz="1400" dirty="0">
+                <a:solidFill>
+                  <a:srgbClr val="000000"/>
+                </a:solidFill>
+                <a:latin typeface="Calibri" panose="020F0502020204030204" pitchFamily="34" charset="0"/>
+                <a:cs typeface="Calibri" panose="020F0502020204030204" pitchFamily="34" charset="0"/>
+              </a:rPr>
+              <a:t>Geospatial vector data - Various formats supported through GDAL</a:t>
+            </a:r>
+          </a:p>
+          <a:p>
+            <a:pPr marL="285750" indent="-285750">
+              <a:buFont typeface="Arial" panose="020B0604020202020204" pitchFamily="34" charset="0"/>
+              <a:buChar char="•"/>
+            </a:pPr>
+            <a:r>
+              <a:rPr lang="en-US" sz="1400" dirty="0">
+                <a:solidFill>
+                  <a:srgbClr val="000000"/>
+                </a:solidFill>
+                <a:latin typeface="Calibri" panose="020F0502020204030204" pitchFamily="34" charset="0"/>
+                <a:cs typeface="Calibri" panose="020F0502020204030204" pitchFamily="34" charset="0"/>
+              </a:rPr>
+              <a:t>All orienteering maps follow ISOM (International Specification for Orienteering Maps) standard.</a:t>
+            </a:r>
+          </a:p>
+        </p:txBody>
+      </p:sp>
+      <p:sp>
+        <p:nvSpPr>
+          <p:cNvPr id="7" name="TextBox 6">
+            <a:extLst>
+              <a:ext uri="{FF2B5EF4-FFF2-40B4-BE49-F238E27FC236}">
+                <a16:creationId xmlns:a16="http://schemas.microsoft.com/office/drawing/2014/main" id="{6B3815A5-2154-1907-F958-EFB4B0087672}"/>
+              </a:ext>
+            </a:extLst>
+          </p:cNvPr>
+          <p:cNvSpPr txBox="1"/>
+          <p:nvPr/>
+        </p:nvSpPr>
+        <p:spPr>
+          <a:xfrm>
+            <a:off x="6205927" y="679974"/>
+            <a:ext cx="5892957" cy="2123658"/>
+          </a:xfrm>
+          <a:prstGeom prst="rect">
+            <a:avLst/>
+          </a:prstGeom>
+          <a:solidFill>
+            <a:schemeClr val="accent4">
+              <a:lumMod val="20000"/>
+              <a:lumOff val="80000"/>
+            </a:schemeClr>
+          </a:solidFill>
+          <a:ln>
+            <a:solidFill>
+              <a:srgbClr val="FF0000"/>
+            </a:solidFill>
+          </a:ln>
+        </p:spPr>
+        <p:txBody>
+          <a:bodyPr wrap="square" rtlCol="0">
+            <a:spAutoFit/>
+          </a:bodyPr>
+          <a:lstStyle/>
+          <a:p>
+            <a:pPr marL="285750" indent="-285750">
+              <a:buFont typeface="Arial" panose="020B0604020202020204" pitchFamily="34" charset="0"/>
+              <a:buChar char="•"/>
+            </a:pPr>
+            <a:r>
+              <a:rPr lang="en-US" sz="1200" dirty="0">
+                <a:solidFill>
+                  <a:srgbClr val="000000"/>
+                </a:solidFill>
+                <a:latin typeface="Calibri" panose="020F0502020204030204" pitchFamily="34" charset="0"/>
+                <a:cs typeface="Calibri" panose="020F0502020204030204" pitchFamily="34" charset="0"/>
+              </a:rPr>
+              <a:t>A DWG file (DWG = </a:t>
+            </a:r>
+            <a:r>
+              <a:rPr lang="en-US" sz="1200" dirty="0" err="1">
+                <a:solidFill>
+                  <a:srgbClr val="000000"/>
+                </a:solidFill>
+                <a:latin typeface="Calibri" panose="020F0502020204030204" pitchFamily="34" charset="0"/>
+                <a:cs typeface="Calibri" panose="020F0502020204030204" pitchFamily="34" charset="0"/>
+              </a:rPr>
+              <a:t>DraWinG</a:t>
+            </a:r>
+            <a:r>
+              <a:rPr lang="en-US" sz="1200" dirty="0">
+                <a:solidFill>
+                  <a:srgbClr val="000000"/>
+                </a:solidFill>
+                <a:latin typeface="Calibri" panose="020F0502020204030204" pitchFamily="34" charset="0"/>
+                <a:cs typeface="Calibri" panose="020F0502020204030204" pitchFamily="34" charset="0"/>
+              </a:rPr>
+              <a:t>) – a binary format created by Autodesk to store designs (Computer-Aided Design = CAD) made with programs like AutoCAD</a:t>
+            </a:r>
+          </a:p>
+          <a:p>
+            <a:pPr marL="285750" indent="-285750">
+              <a:buFont typeface="Arial" panose="020B0604020202020204" pitchFamily="34" charset="0"/>
+              <a:buChar char="•"/>
+            </a:pPr>
+            <a:r>
+              <a:rPr lang="en-US" sz="1200" dirty="0">
+                <a:latin typeface="Calibri" panose="020F0502020204030204" pitchFamily="34" charset="0"/>
+                <a:cs typeface="Calibri" panose="020F0502020204030204" pitchFamily="34" charset="0"/>
+              </a:rPr>
+              <a:t>Most current DWG viewers and editors support versions from AC1009 (R11/12, early 90s) and newer, as pre-R12 files are rare in practice</a:t>
+            </a:r>
+          </a:p>
+          <a:p>
+            <a:pPr marL="285750" indent="-285750">
+              <a:buFont typeface="Arial" panose="020B0604020202020204" pitchFamily="34" charset="0"/>
+              <a:buChar char="•"/>
+            </a:pPr>
+            <a:r>
+              <a:rPr lang="en-US" sz="1200" dirty="0">
+                <a:solidFill>
+                  <a:srgbClr val="0F0F0F"/>
+                </a:solidFill>
+                <a:latin typeface="Calibri" panose="020F0502020204030204" pitchFamily="34" charset="0"/>
+                <a:cs typeface="Calibri" panose="020F0502020204030204" pitchFamily="34" charset="0"/>
+              </a:rPr>
+              <a:t>DWG/DXF/DWF file formats</a:t>
+            </a:r>
+            <a:br>
+              <a:rPr lang="en-US" sz="1200" dirty="0">
+                <a:solidFill>
+                  <a:srgbClr val="0F0F0F"/>
+                </a:solidFill>
+                <a:latin typeface="Calibri" panose="020F0502020204030204" pitchFamily="34" charset="0"/>
+                <a:cs typeface="Calibri" panose="020F0502020204030204" pitchFamily="34" charset="0"/>
+              </a:rPr>
+            </a:br>
+            <a:r>
+              <a:rPr lang="en-US" sz="1200" dirty="0">
+                <a:solidFill>
+                  <a:srgbClr val="0F0F0F"/>
+                </a:solidFill>
+                <a:latin typeface="Calibri" panose="020F0502020204030204" pitchFamily="34" charset="0"/>
+                <a:cs typeface="Calibri" panose="020F0502020204030204" pitchFamily="34" charset="0"/>
+              </a:rPr>
+              <a:t> - DWG is the native design format, </a:t>
+            </a:r>
+          </a:p>
+          <a:p>
+            <a:pPr marL="285750" indent="-285750">
+              <a:buFont typeface="Arial" panose="020B0604020202020204" pitchFamily="34" charset="0"/>
+              <a:buChar char="•"/>
+            </a:pPr>
+            <a:r>
+              <a:rPr lang="en-US" sz="1200" dirty="0">
+                <a:solidFill>
+                  <a:srgbClr val="0F0F0F"/>
+                </a:solidFill>
+                <a:latin typeface="Calibri" panose="020F0502020204030204" pitchFamily="34" charset="0"/>
+                <a:cs typeface="Calibri" panose="020F0502020204030204" pitchFamily="34" charset="0"/>
+              </a:rPr>
+              <a:t> - DXF  - design exchange format - for data exchange, text-based, open-source</a:t>
+            </a:r>
+          </a:p>
+          <a:p>
+            <a:pPr marL="285750" indent="-285750">
+              <a:buFont typeface="Arial" panose="020B0604020202020204" pitchFamily="34" charset="0"/>
+              <a:buChar char="•"/>
+            </a:pPr>
+            <a:r>
+              <a:rPr lang="en-US" sz="1200" dirty="0">
+                <a:solidFill>
+                  <a:srgbClr val="0F0F0F"/>
+                </a:solidFill>
+                <a:latin typeface="Calibri" panose="020F0502020204030204" pitchFamily="34" charset="0"/>
+                <a:cs typeface="Calibri" panose="020F0502020204030204" pitchFamily="34" charset="0"/>
+              </a:rPr>
+              <a:t> - DWF – design Web format – small binary (like PDF) – for viewing and sharing</a:t>
+            </a:r>
+          </a:p>
+          <a:p>
+            <a:pPr marL="285750" indent="-285750">
+              <a:buFont typeface="Arial" panose="020B0604020202020204" pitchFamily="34" charset="0"/>
+              <a:buChar char="•"/>
+            </a:pPr>
+            <a:r>
+              <a:rPr lang="en-US" sz="1200" dirty="0">
+                <a:solidFill>
+                  <a:srgbClr val="0F0F0F"/>
+                </a:solidFill>
+                <a:latin typeface="Calibri" panose="020F0502020204030204" pitchFamily="34" charset="0"/>
+                <a:cs typeface="Calibri" panose="020F0502020204030204" pitchFamily="34" charset="0"/>
+              </a:rPr>
+              <a:t>AutoCAD subscription is very expensive ~ $2K/year</a:t>
+            </a:r>
+          </a:p>
+          <a:p>
+            <a:pPr marL="285750" indent="-285750">
+              <a:buFont typeface="Arial" panose="020B0604020202020204" pitchFamily="34" charset="0"/>
+              <a:buChar char="•"/>
+            </a:pPr>
+            <a:endParaRPr lang="en-US" sz="1200" dirty="0">
+              <a:solidFill>
+                <a:srgbClr val="0F0F0F"/>
+              </a:solidFill>
+              <a:latin typeface="Calibri" panose="020F0502020204030204" pitchFamily="34" charset="0"/>
+              <a:cs typeface="Calibri" panose="020F0502020204030204" pitchFamily="34" charset="0"/>
+            </a:endParaRPr>
+          </a:p>
+          <a:p>
+            <a:pPr marL="285750" indent="-285750">
+              <a:buFont typeface="Arial" panose="020B0604020202020204" pitchFamily="34" charset="0"/>
+              <a:buChar char="•"/>
+            </a:pPr>
+            <a:endParaRPr lang="en-US" sz="1200" dirty="0">
+              <a:solidFill>
+                <a:srgbClr val="0F0F0F"/>
+              </a:solidFill>
+              <a:latin typeface="Calibri" panose="020F0502020204030204" pitchFamily="34" charset="0"/>
+              <a:cs typeface="Calibri" panose="020F0502020204030204" pitchFamily="34" charset="0"/>
+            </a:endParaRPr>
+          </a:p>
+        </p:txBody>
+      </p:sp>
+    </p:spTree>
+    <p:extLst>
+      <p:ext uri="{BB962C8B-B14F-4D97-AF65-F5344CB8AC3E}">
+        <p14:creationId xmlns:p14="http://schemas.microsoft.com/office/powerpoint/2010/main" val="3856337928"/>
+      </p:ext>
+    </p:extLst>
+  </p:cSld>
+  <p:clrMapOvr>
+    <a:masterClrMapping/>
+  </p:clrMapOvr>
+</p:sld>
+</file>
+
+<file path=ppt/slides/slide4.xml><?xml version="1.0" encoding="utf-8"?>
+<p:sld xmlns:a="http://schemas.openxmlformats.org/drawingml/2006/main" xmlns:r="http://schemas.openxmlformats.org/officeDocument/2006/relationships" xmlns:p="http://schemas.openxmlformats.org/presentationml/2006/main">
+  <p:cSld>
+    <p:spTree>
+      <p:nvGrpSpPr>
+        <p:cNvPr id="1" name="">
+          <a:extLst>
+            <a:ext uri="{FF2B5EF4-FFF2-40B4-BE49-F238E27FC236}">
+              <a16:creationId xmlns:a16="http://schemas.microsoft.com/office/drawing/2014/main" id="{CC4BCE40-FAC2-06AC-AEEE-247099B3D348}"/>
+            </a:ext>
+          </a:extLst>
+        </p:cNvPr>
+        <p:cNvGrpSpPr/>
+        <p:nvPr/>
+      </p:nvGrpSpPr>
+      <p:grpSpPr>
+        <a:xfrm>
+          <a:off x="0" y="0"/>
+          <a:ext cx="0" cy="0"/>
+          <a:chOff x="0" y="0"/>
+          <a:chExt cx="0" cy="0"/>
+        </a:xfrm>
+      </p:grpSpPr>
+      <p:sp>
+        <p:nvSpPr>
+          <p:cNvPr id="2" name="TextBox 1">
+            <a:extLst>
+              <a:ext uri="{FF2B5EF4-FFF2-40B4-BE49-F238E27FC236}">
+                <a16:creationId xmlns:a16="http://schemas.microsoft.com/office/drawing/2014/main" id="{50F4EAFB-0C3B-FE5C-A059-BF43CDE1F9EF}"/>
+              </a:ext>
+            </a:extLst>
+          </p:cNvPr>
+          <p:cNvSpPr txBox="1"/>
+          <p:nvPr/>
+        </p:nvSpPr>
+        <p:spPr>
+          <a:xfrm>
+            <a:off x="-1" y="9719"/>
             <a:ext cx="6096001" cy="400110"/>
           </a:xfrm>
           <a:prstGeom prst="rect">
@@ -5754,7 +6434,7 @@
 </p:sld>
 </file>
 
-<file path=ppt/slides/slide4.xml><?xml version="1.0" encoding="utf-8"?>
+<file path=ppt/slides/slide5.xml><?xml version="1.0" encoding="utf-8"?>
 <p:sld xmlns:a="http://schemas.openxmlformats.org/drawingml/2006/main" xmlns:r="http://schemas.openxmlformats.org/officeDocument/2006/relationships" xmlns:p="http://schemas.openxmlformats.org/presentationml/2006/main">
   <p:cSld>
     <p:spTree>
